--- a/option-image.pptx
+++ b/option-image.pptx
@@ -5,15 +5,16 @@
     <p:sldMasterId id="2147483670" r:id="rId1"/>
   </p:sldMasterIdLst>
   <p:notesMasterIdLst>
-    <p:notesMasterId r:id="rId8"/>
+    <p:notesMasterId r:id="rId9"/>
   </p:notesMasterIdLst>
   <p:sldIdLst>
     <p:sldId id="279" r:id="rId2"/>
     <p:sldId id="390" r:id="rId3"/>
     <p:sldId id="394" r:id="rId4"/>
-    <p:sldId id="396" r:id="rId5"/>
-    <p:sldId id="397" r:id="rId6"/>
-    <p:sldId id="398" r:id="rId7"/>
+    <p:sldId id="399" r:id="rId5"/>
+    <p:sldId id="396" r:id="rId6"/>
+    <p:sldId id="397" r:id="rId7"/>
+    <p:sldId id="398" r:id="rId8"/>
   </p:sldIdLst>
   <p:sldSz cx="12192000" cy="6858000"/>
   <p:notesSz cx="6858000" cy="9144000"/>
@@ -250,7 +251,7 @@
               <a:pPr lvl="0">
                 <a:defRPr/>
               </a:pPr>
-              <a:t>2020-09-22</a:t>
+              <a:t>2020. 11. 25.</a:t>
             </a:fld>
             <a:endParaRPr lang="ko-KR" altLang="en-US"/>
           </a:p>
@@ -696,7 +697,7 @@
           <a:p>
             <a:fld id="{0C3A009E-FE2A-174C-8099-6B76801F1DA3}" type="datetimeFigureOut">
               <a:rPr lang="en-US" smtClean="0"/>
-              <a:t>9/22/2020</a:t>
+              <a:t>11/25/20</a:t>
             </a:fld>
             <a:endParaRPr lang="en-US"/>
           </a:p>
@@ -934,7 +935,7 @@
           <a:p>
             <a:fld id="{0C3A009E-FE2A-174C-8099-6B76801F1DA3}" type="datetimeFigureOut">
               <a:rPr lang="en-US" smtClean="0"/>
-              <a:t>9/22/2020</a:t>
+              <a:t>11/25/20</a:t>
             </a:fld>
             <a:endParaRPr lang="en-US"/>
           </a:p>
@@ -2109,16 +2110,12 @@
           <a:lstStyle/>
           <a:p>
             <a:r>
-              <a:rPr kumimoji="1" lang="ko-KR" altLang="en-US" sz="2000" b="1" dirty="0" smtClean="0">
+              <a:rPr kumimoji="1" lang="ko-KR" altLang="en-US" sz="2000" b="1" dirty="0">
                 <a:latin typeface="NanumSquareOTF ExtraBold" panose="020B0600000101010101" pitchFamily="34" charset="-127"/>
                 <a:ea typeface="NanumSquareOTF ExtraBold" panose="020B0600000101010101" pitchFamily="34" charset="-127"/>
               </a:rPr>
               <a:t>옵션 이미지 추가</a:t>
             </a:r>
-            <a:endParaRPr kumimoji="1" lang="ko-KR" altLang="en-US" sz="2000" b="1" dirty="0">
-              <a:latin typeface="NanumSquareOTF ExtraBold" panose="020B0600000101010101" pitchFamily="34" charset="-127"/>
-              <a:ea typeface="NanumSquareOTF ExtraBold" panose="020B0600000101010101" pitchFamily="34" charset="-127"/>
-            </a:endParaRPr>
           </a:p>
         </p:txBody>
       </p:sp>
@@ -2294,7 +2291,7 @@
                         <a:t>/ </a:t>
                       </a:r>
                       <a:r>
-                        <a:rPr lang="ko-KR" altLang="en-US" sz="1200" b="0" i="0" dirty="0" smtClean="0">
+                        <a:rPr lang="ko-KR" altLang="en-US" sz="1200" b="0" i="0" dirty="0">
                           <a:solidFill>
                             <a:schemeClr val="tx1"/>
                           </a:solidFill>
@@ -2303,13 +2300,6 @@
                         </a:rPr>
                         <a:t>이병호</a:t>
                       </a:r>
-                      <a:endParaRPr lang="ko-KR" altLang="en-US" sz="1200" b="0" i="0" dirty="0">
-                        <a:solidFill>
-                          <a:schemeClr val="tx1"/>
-                        </a:solidFill>
-                        <a:latin typeface="NanumSquareOTF" panose="020B0600000101010101" pitchFamily="34" charset="-127"/>
-                        <a:ea typeface="NanumSquareOTF" panose="020B0600000101010101" pitchFamily="34" charset="-127"/>
-                      </a:endParaRPr>
                     </a:p>
                   </a:txBody>
                   <a:tcPr marL="18000" marR="18000" marT="18000" marB="18000" anchor="ctr">
@@ -2454,7 +2444,7 @@
                         </a:lnSpc>
                       </a:pPr>
                       <a:r>
-                        <a:rPr lang="en-US" altLang="ko-KR" sz="1200" b="0" i="0" dirty="0" smtClean="0">
+                        <a:rPr lang="en-US" altLang="ko-KR" sz="1200" b="0" i="0" dirty="0">
                           <a:solidFill>
                             <a:schemeClr val="tx1"/>
                           </a:solidFill>
@@ -2542,13 +2532,6 @@
   <p:clrMapOvr>
     <a:masterClrMapping/>
   </p:clrMapOvr>
-  <p:timing>
-    <p:tnLst>
-      <p:par>
-        <p:cTn id="1" dur="indefinite" restart="never" nodeType="tmRoot"/>
-      </p:par>
-    </p:tnLst>
-  </p:timing>
 </p:sld>
 </file>
 
@@ -2591,10 +2574,9 @@
           <a:lstStyle/>
           <a:p>
             <a:r>
-              <a:rPr kumimoji="1" lang="ko-KR" altLang="en-US" dirty="0" smtClean="0"/>
+              <a:rPr kumimoji="1" lang="ko-KR" altLang="en-US" dirty="0"/>
               <a:t>요약</a:t>
             </a:r>
-            <a:endParaRPr kumimoji="1" lang="ko-KR" altLang="en-US" dirty="0"/>
           </a:p>
         </p:txBody>
       </p:sp>
@@ -2621,7 +2603,7 @@
           <a:p>
             <a:pPr lvl="0"/>
             <a:r>
-              <a:rPr lang="ko-KR" altLang="en-US" sz="1500" b="1" dirty="0" smtClean="0">
+              <a:rPr lang="ko-KR" altLang="en-US" sz="1500" b="1" dirty="0">
                 <a:solidFill>
                   <a:prstClr val="black"/>
                 </a:solidFill>
@@ -2636,7 +2618,7 @@
           </a:p>
           <a:p>
             <a:pPr lvl="0"/>
-            <a:endParaRPr lang="en-US" altLang="ko-KR" sz="1200" dirty="0" smtClean="0">
+            <a:endParaRPr lang="en-US" altLang="ko-KR" sz="1200" dirty="0">
               <a:solidFill>
                 <a:prstClr val="black"/>
               </a:solidFill>
@@ -2645,7 +2627,7 @@
           <a:p>
             <a:pPr lvl="0"/>
             <a:r>
-              <a:rPr lang="ko-KR" altLang="en-US" sz="1200" dirty="0" smtClean="0">
+              <a:rPr lang="ko-KR" altLang="en-US" sz="1200" dirty="0">
                 <a:solidFill>
                   <a:prstClr val="black"/>
                 </a:solidFill>
@@ -2653,7 +2635,7 @@
               <a:t>상품</a:t>
             </a:r>
             <a:r>
-              <a:rPr lang="en-US" altLang="ko-KR" sz="1200" dirty="0" smtClean="0">
+              <a:rPr lang="en-US" altLang="ko-KR" sz="1200" dirty="0">
                 <a:solidFill>
                   <a:prstClr val="black"/>
                 </a:solidFill>
@@ -2661,14 +2643,14 @@
               <a:t>/</a:t>
             </a:r>
             <a:r>
-              <a:rPr lang="ko-KR" altLang="en-US" sz="1200" dirty="0" smtClean="0">
+              <a:rPr lang="ko-KR" altLang="en-US" sz="1200" dirty="0">
                 <a:solidFill>
                   <a:prstClr val="black"/>
                 </a:solidFill>
               </a:rPr>
               <a:t>딜 상세 옵션 선택 영역</a:t>
             </a:r>
-            <a:endParaRPr lang="en-US" altLang="ko-KR" sz="1200" dirty="0" smtClean="0">
+            <a:endParaRPr lang="en-US" altLang="ko-KR" sz="1200" dirty="0">
               <a:solidFill>
                 <a:prstClr val="black"/>
               </a:solidFill>
@@ -2676,7 +2658,7 @@
           </a:p>
           <a:p>
             <a:pPr lvl="0"/>
-            <a:endParaRPr lang="en-US" altLang="ko-KR" sz="1200" dirty="0" smtClean="0">
+            <a:endParaRPr lang="en-US" altLang="ko-KR" sz="1200" dirty="0">
               <a:solidFill>
                 <a:prstClr val="black"/>
               </a:solidFill>
@@ -2685,7 +2667,7 @@
           <a:p>
             <a:pPr lvl="0"/>
             <a:r>
-              <a:rPr lang="en-US" altLang="ko-KR" sz="1200" dirty="0" smtClean="0">
+              <a:rPr lang="en-US" altLang="ko-KR" sz="1200" dirty="0">
                 <a:solidFill>
                   <a:prstClr val="black"/>
                 </a:solidFill>
@@ -2696,7 +2678,7 @@
           <a:p>
             <a:pPr lvl="0"/>
             <a:r>
-              <a:rPr lang="en-US" altLang="ko-KR" sz="1200" dirty="0" smtClean="0">
+              <a:rPr lang="en-US" altLang="ko-KR" sz="1200" dirty="0">
                 <a:solidFill>
                   <a:prstClr val="black"/>
                 </a:solidFill>
@@ -2704,14 +2686,14 @@
               <a:t>    - </a:t>
             </a:r>
             <a:r>
-              <a:rPr lang="ko-KR" altLang="en-US" sz="1200" dirty="0" smtClean="0">
+              <a:rPr lang="ko-KR" altLang="en-US" sz="1200" dirty="0">
                 <a:solidFill>
                   <a:prstClr val="black"/>
                 </a:solidFill>
               </a:rPr>
               <a:t>옵션 선택 레이어</a:t>
             </a:r>
-            <a:endParaRPr lang="en-US" altLang="ko-KR" sz="1200" dirty="0" smtClean="0">
+            <a:endParaRPr lang="en-US" altLang="ko-KR" sz="1200" dirty="0">
               <a:solidFill>
                 <a:prstClr val="black"/>
               </a:solidFill>
@@ -2720,12 +2702,28 @@
           <a:p>
             <a:pPr lvl="0"/>
             <a:r>
-              <a:rPr lang="en-US" altLang="ko-KR" sz="1200" dirty="0" smtClean="0">
+              <a:rPr lang="en-US" altLang="ko-KR" sz="1200" dirty="0">
                 <a:solidFill>
                   <a:prstClr val="black"/>
                 </a:solidFill>
               </a:rPr>
-              <a:t>    </a:t>
+              <a:t>    - </a:t>
+            </a:r>
+            <a:r>
+              <a:rPr lang="ko-KR" altLang="en-US" sz="1200" strike="sngStrike" dirty="0">
+                <a:solidFill>
+                  <a:prstClr val="black"/>
+                </a:solidFill>
+              </a:rPr>
+              <a:t>옵션 선택 팝업</a:t>
+            </a:r>
+            <a:r>
+              <a:rPr lang="ko-KR" altLang="en-US" sz="1200" dirty="0">
+                <a:solidFill>
+                  <a:prstClr val="black"/>
+                </a:solidFill>
+              </a:rPr>
+              <a:t> </a:t>
             </a:r>
             <a:r>
               <a:rPr lang="en-US" altLang="ko-KR" sz="1200" dirty="0">
@@ -2733,42 +2731,10 @@
                   <a:prstClr val="black"/>
                 </a:solidFill>
               </a:rPr>
-              <a:t>- </a:t>
-            </a:r>
-            <a:r>
-              <a:rPr lang="ko-KR" altLang="en-US" sz="1200" strike="sngStrike" dirty="0">
-                <a:solidFill>
-                  <a:prstClr val="black"/>
-                </a:solidFill>
-              </a:rPr>
-              <a:t>옵션 선택 </a:t>
-            </a:r>
-            <a:r>
-              <a:rPr lang="ko-KR" altLang="en-US" sz="1200" strike="sngStrike" dirty="0" smtClean="0">
-                <a:solidFill>
-                  <a:prstClr val="black"/>
-                </a:solidFill>
-              </a:rPr>
-              <a:t>팝업</a:t>
-            </a:r>
-            <a:r>
-              <a:rPr lang="ko-KR" altLang="en-US" sz="1200" dirty="0" smtClean="0">
-                <a:solidFill>
-                  <a:prstClr val="black"/>
-                </a:solidFill>
-              </a:rPr>
-              <a:t> </a:t>
-            </a:r>
-            <a:r>
-              <a:rPr lang="en-US" altLang="ko-KR" sz="1200" dirty="0" smtClean="0">
-                <a:solidFill>
-                  <a:prstClr val="black"/>
-                </a:solidFill>
-              </a:rPr>
               <a:t>(</a:t>
             </a:r>
             <a:r>
-              <a:rPr lang="ko-KR" altLang="en-US" sz="1200" dirty="0" smtClean="0">
+              <a:rPr lang="ko-KR" altLang="en-US" sz="1200" dirty="0">
                 <a:solidFill>
                   <a:prstClr val="black"/>
                 </a:solidFill>
@@ -2776,7 +2742,7 @@
               <a:t>레이어 형식으로 일원화 예정 </a:t>
             </a:r>
             <a:r>
-              <a:rPr lang="en-US" altLang="ko-KR" sz="1200" dirty="0" smtClean="0">
+              <a:rPr lang="en-US" altLang="ko-KR" sz="1200" dirty="0">
                 <a:solidFill>
                   <a:prstClr val="black"/>
                 </a:solidFill>
@@ -2785,7 +2751,7 @@
               <a:t>PFPLAN-342</a:t>
             </a:r>
             <a:r>
-              <a:rPr lang="en-US" altLang="ko-KR" sz="1200" dirty="0" smtClean="0">
+              <a:rPr lang="en-US" altLang="ko-KR" sz="1200" dirty="0">
                 <a:solidFill>
                   <a:prstClr val="black"/>
                 </a:solidFill>
@@ -2796,7 +2762,7 @@
           <a:p>
             <a:pPr lvl="0"/>
             <a:r>
-              <a:rPr lang="en-US" altLang="ko-KR" sz="1200" dirty="0" smtClean="0">
+              <a:rPr lang="en-US" altLang="ko-KR" sz="1200" dirty="0">
                 <a:solidFill>
                   <a:prstClr val="black"/>
                 </a:solidFill>
@@ -2808,25 +2774,25 @@
             <a:endParaRPr lang="en-US" altLang="ko-KR" sz="1200" dirty="0"/>
           </a:p>
           <a:p>
-            <a:endParaRPr lang="en-US" altLang="ko-KR" sz="1200" b="1" dirty="0" smtClean="0"/>
+            <a:endParaRPr lang="en-US" altLang="ko-KR" sz="1200" b="1" dirty="0"/>
           </a:p>
           <a:p>
             <a:r>
-              <a:rPr lang="ko-KR" altLang="en-US" sz="1500" b="1" dirty="0" smtClean="0"/>
+              <a:rPr lang="ko-KR" altLang="en-US" sz="1500" b="1" dirty="0"/>
               <a:t>내용</a:t>
             </a:r>
-            <a:endParaRPr lang="en-US" altLang="ko-KR" sz="1500" b="1" dirty="0" smtClean="0"/>
+            <a:endParaRPr lang="en-US" altLang="ko-KR" sz="1500" b="1" dirty="0"/>
           </a:p>
           <a:p>
-            <a:endParaRPr lang="en-US" altLang="ko-KR" sz="1200" dirty="0" smtClean="0"/>
+            <a:endParaRPr lang="en-US" altLang="ko-KR" sz="1200" dirty="0"/>
           </a:p>
           <a:p>
             <a:r>
-              <a:rPr lang="ko-KR" altLang="en-US" sz="1200" dirty="0" err="1" smtClean="0"/>
+              <a:rPr lang="ko-KR" altLang="en-US" sz="1200" dirty="0" err="1"/>
               <a:t>선택형</a:t>
             </a:r>
             <a:r>
-              <a:rPr lang="ko-KR" altLang="en-US" sz="1200" dirty="0" smtClean="0"/>
+              <a:rPr lang="ko-KR" altLang="en-US" sz="1200" dirty="0"/>
               <a:t> 옵션 사용 상품의 경우 옵션 이미지 등록 기능 추가 </a:t>
             </a:r>
             <a:r>
@@ -2834,36 +2800,36 @@
               <a:t>[</a:t>
             </a:r>
             <a:r>
-              <a:rPr lang="ko-KR" altLang="en-US" sz="1200" dirty="0" smtClean="0"/>
+              <a:rPr lang="ko-KR" altLang="en-US" sz="1200" dirty="0"/>
               <a:t>백엔드기획팀</a:t>
             </a:r>
             <a:r>
-              <a:rPr lang="en-US" altLang="ko-KR" sz="1200" dirty="0" smtClean="0"/>
+              <a:rPr lang="en-US" altLang="ko-KR" sz="1200" dirty="0"/>
               <a:t>]</a:t>
             </a:r>
           </a:p>
           <a:p>
             <a:r>
-              <a:rPr lang="ko-KR" altLang="en-US" sz="1200" b="1" dirty="0" err="1" smtClean="0"/>
+              <a:rPr lang="ko-KR" altLang="en-US" sz="1200" b="1" dirty="0" err="1"/>
               <a:t>선택형</a:t>
             </a:r>
             <a:r>
-              <a:rPr lang="ko-KR" altLang="en-US" sz="1200" b="1" dirty="0" smtClean="0"/>
+              <a:rPr lang="ko-KR" altLang="en-US" sz="1200" b="1" dirty="0"/>
               <a:t> 옵션 </a:t>
             </a:r>
             <a:r>
-              <a:rPr lang="en-US" altLang="ko-KR" sz="1200" b="1" dirty="0" smtClean="0"/>
+              <a:rPr lang="en-US" altLang="ko-KR" sz="1200" b="1" dirty="0"/>
               <a:t>1</a:t>
             </a:r>
             <a:r>
-              <a:rPr lang="ko-KR" altLang="en-US" sz="1200" b="1" dirty="0" smtClean="0"/>
+              <a:rPr lang="ko-KR" altLang="en-US" sz="1200" b="1" dirty="0"/>
               <a:t>단계 선택 영역</a:t>
             </a:r>
             <a:r>
-              <a:rPr lang="ko-KR" altLang="en-US" sz="1200" dirty="0" smtClean="0"/>
+              <a:rPr lang="ko-KR" altLang="en-US" sz="1200" dirty="0"/>
               <a:t>에 옵션 이미지 노출</a:t>
             </a:r>
-            <a:endParaRPr lang="en-US" altLang="ko-KR" sz="1200" dirty="0" smtClean="0"/>
+            <a:endParaRPr lang="en-US" altLang="ko-KR" sz="1200" dirty="0"/>
           </a:p>
           <a:p>
             <a:r>
@@ -2872,83 +2838,83 @@
             </a:r>
           </a:p>
           <a:p>
-            <a:endParaRPr lang="en-US" altLang="ko-KR" sz="1200" dirty="0" smtClean="0"/>
+            <a:endParaRPr lang="en-US" altLang="ko-KR" sz="1200" dirty="0"/>
           </a:p>
           <a:p>
             <a:r>
-              <a:rPr lang="en-US" altLang="ko-KR" sz="1200" dirty="0" smtClean="0"/>
+              <a:rPr lang="en-US" altLang="ko-KR" sz="1200" dirty="0"/>
               <a:t>1. </a:t>
             </a:r>
             <a:r>
-              <a:rPr lang="ko-KR" altLang="en-US" sz="1200" dirty="0" err="1" smtClean="0"/>
+              <a:rPr lang="ko-KR" altLang="en-US" sz="1200" dirty="0" err="1"/>
               <a:t>선택형</a:t>
             </a:r>
             <a:r>
-              <a:rPr lang="ko-KR" altLang="en-US" sz="1200" dirty="0" smtClean="0"/>
+              <a:rPr lang="ko-KR" altLang="en-US" sz="1200" dirty="0"/>
               <a:t> 옵션 </a:t>
             </a:r>
             <a:r>
-              <a:rPr lang="en-US" altLang="ko-KR" sz="1200" dirty="0" smtClean="0"/>
+              <a:rPr lang="en-US" altLang="ko-KR" sz="1200" dirty="0"/>
               <a:t>1</a:t>
             </a:r>
             <a:r>
-              <a:rPr lang="ko-KR" altLang="en-US" sz="1200" dirty="0" smtClean="0"/>
+              <a:rPr lang="ko-KR" altLang="en-US" sz="1200" dirty="0"/>
               <a:t>단계 설정 상품의 경우</a:t>
             </a:r>
-            <a:endParaRPr lang="en-US" altLang="ko-KR" sz="1200" dirty="0" smtClean="0"/>
+            <a:endParaRPr lang="en-US" altLang="ko-KR" sz="1200" dirty="0"/>
           </a:p>
           <a:p>
             <a:r>
-              <a:rPr lang="en-US" altLang="ko-KR" sz="1200" dirty="0" smtClean="0"/>
+              <a:rPr lang="en-US" altLang="ko-KR" sz="1200" dirty="0"/>
               <a:t>    - </a:t>
             </a:r>
             <a:r>
-              <a:rPr lang="ko-KR" altLang="en-US" sz="1200" dirty="0" smtClean="0"/>
+              <a:rPr lang="ko-KR" altLang="en-US" sz="1200" dirty="0"/>
               <a:t>각 옵션 이미지 노출</a:t>
             </a:r>
             <a:endParaRPr lang="en-US" altLang="ko-KR" sz="1200" dirty="0"/>
           </a:p>
           <a:p>
             <a:r>
-              <a:rPr lang="en-US" altLang="ko-KR" sz="1200" dirty="0" smtClean="0"/>
+              <a:rPr lang="en-US" altLang="ko-KR" sz="1200" dirty="0"/>
               <a:t>2. </a:t>
             </a:r>
             <a:r>
-              <a:rPr lang="ko-KR" altLang="en-US" sz="1200" dirty="0" err="1" smtClean="0"/>
+              <a:rPr lang="ko-KR" altLang="en-US" sz="1200" dirty="0" err="1"/>
               <a:t>선택형</a:t>
             </a:r>
             <a:r>
-              <a:rPr lang="ko-KR" altLang="en-US" sz="1200" dirty="0" smtClean="0"/>
+              <a:rPr lang="ko-KR" altLang="en-US" sz="1200" dirty="0"/>
               <a:t> 옵션 </a:t>
             </a:r>
             <a:r>
-              <a:rPr lang="en-US" altLang="ko-KR" sz="1200" dirty="0" smtClean="0"/>
+              <a:rPr lang="en-US" altLang="ko-KR" sz="1200" dirty="0"/>
               <a:t>2</a:t>
             </a:r>
             <a:r>
-              <a:rPr lang="ko-KR" altLang="en-US" sz="1200" dirty="0" smtClean="0"/>
+              <a:rPr lang="ko-KR" altLang="en-US" sz="1200" dirty="0"/>
               <a:t>단계 이상 설정 상품의 경우</a:t>
             </a:r>
             <a:endParaRPr lang="en-US" altLang="ko-KR" sz="1200" dirty="0"/>
           </a:p>
           <a:p>
             <a:r>
-              <a:rPr lang="en-US" altLang="ko-KR" sz="1200" dirty="0" smtClean="0"/>
+              <a:rPr lang="en-US" altLang="ko-KR" sz="1200" dirty="0"/>
               <a:t>    - </a:t>
             </a:r>
             <a:r>
-              <a:rPr lang="ko-KR" altLang="en-US" sz="1200" dirty="0" smtClean="0"/>
+              <a:rPr lang="ko-KR" altLang="en-US" sz="1200" dirty="0"/>
               <a:t>각 </a:t>
             </a:r>
             <a:r>
-              <a:rPr lang="en-US" altLang="ko-KR" sz="1200" dirty="0" smtClean="0"/>
+              <a:rPr lang="en-US" altLang="ko-KR" sz="1200" dirty="0"/>
               <a:t>1</a:t>
             </a:r>
             <a:r>
-              <a:rPr lang="ko-KR" altLang="en-US" sz="1200" dirty="0" smtClean="0"/>
+              <a:rPr lang="ko-KR" altLang="en-US" sz="1200" dirty="0"/>
               <a:t>단계 이하 옵션 이미지들 중 첫 번째 옵션 이미지 노출</a:t>
             </a:r>
-            <a:endParaRPr lang="en-US" altLang="ko-KR" sz="1200" dirty="0" smtClean="0"/>
+            <a:endParaRPr lang="en-US" altLang="ko-KR" sz="1200" dirty="0"/>
           </a:p>
         </p:txBody>
       </p:sp>
@@ -3067,7 +3033,7 @@
                     <a:p>
                       <a:pPr algn="ctr" fontAlgn="ctr"/>
                       <a:r>
-                        <a:rPr lang="ko-KR" altLang="en-US" sz="1200" b="1" i="0" u="none" strike="noStrike" dirty="0" smtClean="0">
+                        <a:rPr lang="ko-KR" altLang="en-US" sz="1200" b="1" i="0" u="none" strike="noStrike" dirty="0">
                           <a:solidFill>
                             <a:srgbClr val="000000"/>
                           </a:solidFill>
@@ -3078,7 +3044,7 @@
                         <a:t>색상 </a:t>
                       </a:r>
                       <a:r>
-                        <a:rPr lang="en-US" altLang="ko-KR" sz="1200" b="1" i="0" u="none" strike="noStrike" dirty="0" smtClean="0">
+                        <a:rPr lang="en-US" altLang="ko-KR" sz="1200" b="1" i="0" u="none" strike="noStrike" dirty="0">
                           <a:solidFill>
                             <a:srgbClr val="000000"/>
                           </a:solidFill>
@@ -3089,7 +3055,7 @@
                         <a:t>(1</a:t>
                       </a:r>
                       <a:r>
-                        <a:rPr lang="ko-KR" altLang="en-US" sz="1200" b="1" i="0" u="none" strike="noStrike" dirty="0" smtClean="0">
+                        <a:rPr lang="ko-KR" altLang="en-US" sz="1200" b="1" i="0" u="none" strike="noStrike" dirty="0">
                           <a:solidFill>
                             <a:srgbClr val="000000"/>
                           </a:solidFill>
@@ -3100,7 +3066,7 @@
                         <a:t>단계</a:t>
                       </a:r>
                       <a:r>
-                        <a:rPr lang="en-US" altLang="ko-KR" sz="1200" b="1" i="0" u="none" strike="noStrike" dirty="0" smtClean="0">
+                        <a:rPr lang="en-US" altLang="ko-KR" sz="1200" b="1" i="0" u="none" strike="noStrike" dirty="0">
                           <a:solidFill>
                             <a:srgbClr val="000000"/>
                           </a:solidFill>
@@ -3166,7 +3132,7 @@
                     <a:p>
                       <a:pPr algn="ctr" fontAlgn="ctr"/>
                       <a:r>
-                        <a:rPr lang="ko-KR" altLang="en-US" sz="1200" b="1" i="0" u="none" strike="noStrike" dirty="0" smtClean="0">
+                        <a:rPr lang="ko-KR" altLang="en-US" sz="1200" b="1" i="0" u="none" strike="noStrike" dirty="0">
                           <a:solidFill>
                             <a:srgbClr val="000000"/>
                           </a:solidFill>
@@ -3177,7 +3143,7 @@
                         <a:t>사이즈 </a:t>
                       </a:r>
                       <a:r>
-                        <a:rPr lang="en-US" altLang="ko-KR" sz="1200" b="1" i="0" u="none" strike="noStrike" dirty="0" smtClean="0">
+                        <a:rPr lang="en-US" altLang="ko-KR" sz="1200" b="1" i="0" u="none" strike="noStrike" dirty="0">
                           <a:solidFill>
                             <a:srgbClr val="000000"/>
                           </a:solidFill>
@@ -3188,7 +3154,7 @@
                         <a:t>(2</a:t>
                       </a:r>
                       <a:r>
-                        <a:rPr lang="ko-KR" altLang="en-US" sz="1200" b="1" i="0" u="none" strike="noStrike" dirty="0" smtClean="0">
+                        <a:rPr lang="ko-KR" altLang="en-US" sz="1200" b="1" i="0" u="none" strike="noStrike" dirty="0">
                           <a:solidFill>
                             <a:srgbClr val="000000"/>
                           </a:solidFill>
@@ -3199,7 +3165,7 @@
                         <a:t>단계</a:t>
                       </a:r>
                       <a:r>
-                        <a:rPr lang="en-US" altLang="ko-KR" sz="1200" b="1" i="0" u="none" strike="noStrike" dirty="0" smtClean="0">
+                        <a:rPr lang="en-US" altLang="ko-KR" sz="1200" b="1" i="0" u="none" strike="noStrike" dirty="0">
                           <a:solidFill>
                             <a:srgbClr val="000000"/>
                           </a:solidFill>
@@ -3265,7 +3231,7 @@
                     <a:p>
                       <a:pPr algn="ctr" fontAlgn="ctr"/>
                       <a:r>
-                        <a:rPr lang="ko-KR" altLang="en-US" sz="1200" b="1" i="0" u="none" strike="noStrike" dirty="0" smtClean="0">
+                        <a:rPr lang="ko-KR" altLang="en-US" sz="1200" b="1" i="0" u="none" strike="noStrike" dirty="0">
                           <a:solidFill>
                             <a:srgbClr val="000000"/>
                           </a:solidFill>
@@ -3338,7 +3304,7 @@
                     <a:p>
                       <a:pPr algn="ctr" fontAlgn="ctr"/>
                       <a:r>
-                        <a:rPr lang="ko-KR" altLang="en-US" sz="1200" b="0" i="0" u="none" strike="noStrike" dirty="0" smtClean="0">
+                        <a:rPr lang="ko-KR" altLang="en-US" sz="1200" b="0" i="0" u="none" strike="noStrike" dirty="0">
                           <a:solidFill>
                             <a:srgbClr val="000000"/>
                           </a:solidFill>
@@ -3349,7 +3315,7 @@
                         <a:t>옵션</a:t>
                       </a:r>
                       <a:r>
-                        <a:rPr lang="en-US" altLang="ko-KR" sz="1200" b="0" i="0" u="none" strike="noStrike" dirty="0" smtClean="0">
+                        <a:rPr lang="en-US" altLang="ko-KR" sz="1200" b="0" i="0" u="none" strike="noStrike" dirty="0">
                           <a:solidFill>
                             <a:srgbClr val="000000"/>
                           </a:solidFill>
@@ -3416,7 +3382,7 @@
                     <a:p>
                       <a:pPr algn="ctr" fontAlgn="ctr"/>
                       <a:r>
-                        <a:rPr lang="ko-KR" altLang="en-US" sz="1200" b="0" i="0" u="none" strike="noStrike" dirty="0" smtClean="0">
+                        <a:rPr lang="ko-KR" altLang="en-US" sz="1200" b="0" i="0" u="none" strike="noStrike" dirty="0">
                           <a:solidFill>
                             <a:srgbClr val="000000"/>
                           </a:solidFill>
@@ -3488,7 +3454,7 @@
                     <a:p>
                       <a:pPr algn="ctr" fontAlgn="ctr"/>
                       <a:r>
-                        <a:rPr lang="en-US" sz="1200" b="0" i="0" u="none" strike="noStrike" dirty="0" smtClean="0">
+                        <a:rPr lang="en-US" sz="1200" b="0" i="0" u="none" strike="noStrike" dirty="0">
                           <a:solidFill>
                             <a:srgbClr val="000000"/>
                           </a:solidFill>
@@ -3498,14 +3464,6 @@
                         </a:rPr>
                         <a:t>M</a:t>
                       </a:r>
-                      <a:endParaRPr lang="en-US" sz="1200" b="0" i="0" u="none" strike="noStrike" dirty="0">
-                        <a:solidFill>
-                          <a:srgbClr val="000000"/>
-                        </a:solidFill>
-                        <a:effectLst/>
-                        <a:latin typeface="맑은 고딕" panose="020B0503020000020004" pitchFamily="50" charset="-127"/>
-                        <a:ea typeface="맑은 고딕" panose="020B0503020000020004" pitchFamily="50" charset="-127"/>
-                      </a:endParaRPr>
                     </a:p>
                   </a:txBody>
                   <a:tcPr marL="10126" marR="10126" marT="10126" marB="0" anchor="ctr">
@@ -3555,7 +3513,7 @@
                     <a:p>
                       <a:pPr algn="ctr" fontAlgn="ctr"/>
                       <a:r>
-                        <a:rPr lang="ko-KR" altLang="en-US" sz="1200" b="0" i="0" u="none" strike="noStrike" dirty="0" smtClean="0">
+                        <a:rPr lang="ko-KR" altLang="en-US" sz="1200" b="0" i="0" u="none" strike="noStrike" dirty="0">
                           <a:solidFill>
                             <a:srgbClr val="000000"/>
                           </a:solidFill>
@@ -3566,7 +3524,7 @@
                         <a:t>이미지</a:t>
                       </a:r>
                       <a:r>
-                        <a:rPr lang="en-US" altLang="ko-KR" sz="1200" b="0" i="0" u="none" strike="noStrike" dirty="0" smtClean="0">
+                        <a:rPr lang="en-US" altLang="ko-KR" sz="1200" b="0" i="0" u="none" strike="noStrike" dirty="0">
                           <a:solidFill>
                             <a:srgbClr val="000000"/>
                           </a:solidFill>
@@ -3645,7 +3603,7 @@
                     <a:p>
                       <a:pPr algn="ctr" fontAlgn="ctr"/>
                       <a:r>
-                        <a:rPr lang="ko-KR" altLang="en-US" sz="1200" b="0" i="0" u="none" strike="noStrike" dirty="0" smtClean="0">
+                        <a:rPr lang="ko-KR" altLang="en-US" sz="1200" b="0" i="0" u="none" strike="noStrike" dirty="0">
                           <a:solidFill>
                             <a:srgbClr val="000000"/>
                           </a:solidFill>
@@ -3656,7 +3614,7 @@
                         <a:t>옵션</a:t>
                       </a:r>
                       <a:r>
-                        <a:rPr lang="en-US" altLang="ko-KR" sz="1200" b="0" i="0" u="none" strike="noStrike" dirty="0" smtClean="0">
+                        <a:rPr lang="en-US" altLang="ko-KR" sz="1200" b="0" i="0" u="none" strike="noStrike" dirty="0">
                           <a:solidFill>
                             <a:srgbClr val="000000"/>
                           </a:solidFill>
@@ -3722,7 +3680,7 @@
                     <a:p>
                       <a:pPr algn="ctr" fontAlgn="ctr"/>
                       <a:r>
-                        <a:rPr lang="ko-KR" altLang="en-US" sz="1200" b="0" i="0" u="none" strike="noStrike" dirty="0" smtClean="0">
+                        <a:rPr lang="ko-KR" altLang="en-US" sz="1200" b="0" i="0" u="none" strike="noStrike" dirty="0">
                           <a:solidFill>
                             <a:srgbClr val="000000"/>
                           </a:solidFill>
@@ -3794,7 +3752,7 @@
                     <a:p>
                       <a:pPr algn="ctr" fontAlgn="ctr"/>
                       <a:r>
-                        <a:rPr lang="en-US" sz="1200" b="0" i="0" u="none" strike="noStrike" dirty="0" smtClean="0">
+                        <a:rPr lang="en-US" sz="1200" b="0" i="0" u="none" strike="noStrike" dirty="0">
                           <a:solidFill>
                             <a:srgbClr val="000000"/>
                           </a:solidFill>
@@ -3804,14 +3762,6 @@
                         </a:rPr>
                         <a:t>L</a:t>
                       </a:r>
-                      <a:endParaRPr lang="en-US" sz="1200" b="0" i="0" u="none" strike="noStrike" dirty="0">
-                        <a:solidFill>
-                          <a:srgbClr val="000000"/>
-                        </a:solidFill>
-                        <a:effectLst/>
-                        <a:latin typeface="맑은 고딕" panose="020B0503020000020004" pitchFamily="50" charset="-127"/>
-                        <a:ea typeface="맑은 고딕" panose="020B0503020000020004" pitchFamily="50" charset="-127"/>
-                      </a:endParaRPr>
                     </a:p>
                   </a:txBody>
                   <a:tcPr marL="10126" marR="10126" marT="10126" marB="0" anchor="ctr">
@@ -3861,7 +3811,7 @@
                     <a:p>
                       <a:pPr algn="ctr" fontAlgn="ctr"/>
                       <a:r>
-                        <a:rPr lang="ko-KR" altLang="en-US" sz="1200" b="0" i="0" u="none" strike="noStrike" dirty="0" smtClean="0">
+                        <a:rPr lang="ko-KR" altLang="en-US" sz="1200" b="0" i="0" u="none" strike="noStrike" dirty="0">
                           <a:solidFill>
                             <a:srgbClr val="000000"/>
                           </a:solidFill>
@@ -3872,7 +3822,7 @@
                         <a:t>이미지</a:t>
                       </a:r>
                       <a:r>
-                        <a:rPr lang="en-US" altLang="ko-KR" sz="1200" b="0" i="0" u="none" strike="noStrike" dirty="0" smtClean="0">
+                        <a:rPr lang="en-US" altLang="ko-KR" sz="1200" b="0" i="0" u="none" strike="noStrike" dirty="0">
                           <a:solidFill>
                             <a:srgbClr val="000000"/>
                           </a:solidFill>
@@ -3945,7 +3895,7 @@
                     <a:p>
                       <a:pPr algn="ctr" fontAlgn="ctr"/>
                       <a:r>
-                        <a:rPr lang="ko-KR" altLang="en-US" sz="1200" b="0" i="0" u="none" strike="noStrike" dirty="0" smtClean="0">
+                        <a:rPr lang="ko-KR" altLang="en-US" sz="1200" b="0" i="0" u="none" strike="noStrike" dirty="0">
                           <a:solidFill>
                             <a:srgbClr val="000000"/>
                           </a:solidFill>
@@ -3956,7 +3906,7 @@
                         <a:t>옵션</a:t>
                       </a:r>
                       <a:r>
-                        <a:rPr lang="en-US" altLang="ko-KR" sz="1200" b="0" i="0" u="none" strike="noStrike" dirty="0" smtClean="0">
+                        <a:rPr lang="en-US" altLang="ko-KR" sz="1200" b="0" i="0" u="none" strike="noStrike" dirty="0">
                           <a:solidFill>
                             <a:srgbClr val="000000"/>
                           </a:solidFill>
@@ -4023,7 +3973,7 @@
                     <a:p>
                       <a:pPr algn="ctr" fontAlgn="ctr"/>
                       <a:r>
-                        <a:rPr lang="ko-KR" altLang="en-US" sz="1200" b="0" i="0" u="none" strike="noStrike" dirty="0" smtClean="0">
+                        <a:rPr lang="ko-KR" altLang="en-US" sz="1200" b="0" i="0" u="none" strike="noStrike" dirty="0">
                           <a:solidFill>
                             <a:srgbClr val="000000"/>
                           </a:solidFill>
@@ -4095,7 +4045,7 @@
                     <a:p>
                       <a:pPr algn="ctr" fontAlgn="ctr"/>
                       <a:r>
-                        <a:rPr lang="en-US" sz="1200" b="0" i="0" u="none" strike="noStrike" dirty="0" smtClean="0">
+                        <a:rPr lang="en-US" sz="1200" b="0" i="0" u="none" strike="noStrike" dirty="0">
                           <a:solidFill>
                             <a:srgbClr val="000000"/>
                           </a:solidFill>
@@ -4105,14 +4055,6 @@
                         </a:rPr>
                         <a:t>M</a:t>
                       </a:r>
-                      <a:endParaRPr lang="en-US" sz="1200" b="0" i="0" u="none" strike="noStrike" dirty="0">
-                        <a:solidFill>
-                          <a:srgbClr val="000000"/>
-                        </a:solidFill>
-                        <a:effectLst/>
-                        <a:latin typeface="맑은 고딕" panose="020B0503020000020004" pitchFamily="50" charset="-127"/>
-                        <a:ea typeface="맑은 고딕" panose="020B0503020000020004" pitchFamily="50" charset="-127"/>
-                      </a:endParaRPr>
                     </a:p>
                   </a:txBody>
                   <a:tcPr marL="10126" marR="10126" marT="10126" marB="0" anchor="ctr">
@@ -4162,7 +4104,7 @@
                     <a:p>
                       <a:pPr algn="ctr" fontAlgn="ctr"/>
                       <a:r>
-                        <a:rPr lang="ko-KR" altLang="en-US" sz="1200" b="0" i="0" u="none" strike="noStrike" dirty="0" smtClean="0">
+                        <a:rPr lang="ko-KR" altLang="en-US" sz="1200" b="0" i="0" u="none" strike="noStrike" dirty="0">
                           <a:solidFill>
                             <a:srgbClr val="000000"/>
                           </a:solidFill>
@@ -4173,7 +4115,7 @@
                         <a:t>이미지</a:t>
                       </a:r>
                       <a:r>
-                        <a:rPr lang="en-US" altLang="ko-KR" sz="1200" b="0" i="0" u="none" strike="noStrike" dirty="0" smtClean="0">
+                        <a:rPr lang="en-US" altLang="ko-KR" sz="1200" b="0" i="0" u="none" strike="noStrike" dirty="0">
                           <a:solidFill>
                             <a:srgbClr val="000000"/>
                           </a:solidFill>
@@ -4252,7 +4194,7 @@
                     <a:p>
                       <a:pPr algn="ctr" fontAlgn="ctr"/>
                       <a:r>
-                        <a:rPr lang="ko-KR" altLang="en-US" sz="1200" b="0" i="0" u="none" strike="noStrike" dirty="0" smtClean="0">
+                        <a:rPr lang="ko-KR" altLang="en-US" sz="1200" b="0" i="0" u="none" strike="noStrike" dirty="0">
                           <a:solidFill>
                             <a:srgbClr val="000000"/>
                           </a:solidFill>
@@ -4263,7 +4205,7 @@
                         <a:t>옵션</a:t>
                       </a:r>
                       <a:r>
-                        <a:rPr lang="en-US" altLang="ko-KR" sz="1200" b="0" i="0" u="none" strike="noStrike" dirty="0" smtClean="0">
+                        <a:rPr lang="en-US" altLang="ko-KR" sz="1200" b="0" i="0" u="none" strike="noStrike" dirty="0">
                           <a:solidFill>
                             <a:srgbClr val="000000"/>
                           </a:solidFill>
@@ -4329,7 +4271,7 @@
                     <a:p>
                       <a:pPr algn="ctr" fontAlgn="ctr"/>
                       <a:r>
-                        <a:rPr lang="ko-KR" altLang="en-US" sz="1200" b="0" i="0" u="none" strike="noStrike" dirty="0" smtClean="0">
+                        <a:rPr lang="ko-KR" altLang="en-US" sz="1200" b="0" i="0" u="none" strike="noStrike" dirty="0">
                           <a:solidFill>
                             <a:srgbClr val="000000"/>
                           </a:solidFill>
@@ -4401,7 +4343,7 @@
                     <a:p>
                       <a:pPr algn="ctr" fontAlgn="ctr"/>
                       <a:r>
-                        <a:rPr lang="en-US" sz="1200" b="0" i="0" u="none" strike="noStrike" dirty="0" smtClean="0">
+                        <a:rPr lang="en-US" sz="1200" b="0" i="0" u="none" strike="noStrike" dirty="0">
                           <a:solidFill>
                             <a:srgbClr val="000000"/>
                           </a:solidFill>
@@ -4411,14 +4353,6 @@
                         </a:rPr>
                         <a:t>L</a:t>
                       </a:r>
-                      <a:endParaRPr lang="en-US" sz="1200" b="0" i="0" u="none" strike="noStrike" dirty="0">
-                        <a:solidFill>
-                          <a:srgbClr val="000000"/>
-                        </a:solidFill>
-                        <a:effectLst/>
-                        <a:latin typeface="맑은 고딕" panose="020B0503020000020004" pitchFamily="50" charset="-127"/>
-                        <a:ea typeface="맑은 고딕" panose="020B0503020000020004" pitchFamily="50" charset="-127"/>
-                      </a:endParaRPr>
                     </a:p>
                   </a:txBody>
                   <a:tcPr marL="10126" marR="10126" marT="10126" marB="0" anchor="ctr">
@@ -4467,7 +4401,7 @@
                     <a:p>
                       <a:pPr algn="ctr" fontAlgn="ctr"/>
                       <a:r>
-                        <a:rPr lang="ko-KR" altLang="en-US" sz="1200" b="0" i="0" u="none" strike="noStrike" dirty="0" smtClean="0">
+                        <a:rPr lang="ko-KR" altLang="en-US" sz="1200" b="0" i="0" u="none" strike="noStrike" dirty="0">
                           <a:solidFill>
                             <a:srgbClr val="000000"/>
                           </a:solidFill>
@@ -4478,7 +4412,7 @@
                         <a:t>이미지</a:t>
                       </a:r>
                       <a:r>
-                        <a:rPr lang="en-US" altLang="ko-KR" sz="1200" b="0" i="0" u="none" strike="noStrike" dirty="0" smtClean="0">
+                        <a:rPr lang="en-US" altLang="ko-KR" sz="1200" b="0" i="0" u="none" strike="noStrike" dirty="0">
                           <a:solidFill>
                             <a:srgbClr val="000000"/>
                           </a:solidFill>
@@ -4551,7 +4485,7 @@
                     <a:p>
                       <a:pPr algn="ctr" fontAlgn="ctr"/>
                       <a:r>
-                        <a:rPr lang="ko-KR" altLang="en-US" sz="1200" b="0" i="0" u="none" strike="noStrike" dirty="0" smtClean="0">
+                        <a:rPr lang="ko-KR" altLang="en-US" sz="1200" b="0" i="0" u="none" strike="noStrike" dirty="0">
                           <a:solidFill>
                             <a:srgbClr val="000000"/>
                           </a:solidFill>
@@ -4562,7 +4496,7 @@
                         <a:t>옵션</a:t>
                       </a:r>
                       <a:r>
-                        <a:rPr lang="en-US" altLang="ko-KR" sz="1200" b="0" i="0" u="none" strike="noStrike" dirty="0" smtClean="0">
+                        <a:rPr lang="en-US" altLang="ko-KR" sz="1200" b="0" i="0" u="none" strike="noStrike" dirty="0">
                           <a:solidFill>
                             <a:srgbClr val="000000"/>
                           </a:solidFill>
@@ -4629,7 +4563,7 @@
                     <a:p>
                       <a:pPr algn="ctr" fontAlgn="ctr"/>
                       <a:r>
-                        <a:rPr lang="ko-KR" altLang="en-US" sz="1200" b="0" i="0" u="none" strike="noStrike" dirty="0" smtClean="0">
+                        <a:rPr lang="ko-KR" altLang="en-US" sz="1200" b="0" i="0" u="none" strike="noStrike" dirty="0">
                           <a:solidFill>
                             <a:srgbClr val="000000"/>
                           </a:solidFill>
@@ -4701,7 +4635,7 @@
                     <a:p>
                       <a:pPr algn="ctr" fontAlgn="ctr"/>
                       <a:r>
-                        <a:rPr lang="en-US" sz="1200" b="0" i="0" u="none" strike="noStrike" dirty="0" smtClean="0">
+                        <a:rPr lang="en-US" sz="1200" b="0" i="0" u="none" strike="noStrike" dirty="0">
                           <a:solidFill>
                             <a:srgbClr val="000000"/>
                           </a:solidFill>
@@ -4711,14 +4645,6 @@
                         </a:rPr>
                         <a:t>M</a:t>
                       </a:r>
-                      <a:endParaRPr lang="en-US" sz="1200" b="0" i="0" u="none" strike="noStrike" dirty="0">
-                        <a:solidFill>
-                          <a:srgbClr val="000000"/>
-                        </a:solidFill>
-                        <a:effectLst/>
-                        <a:latin typeface="맑은 고딕" panose="020B0503020000020004" pitchFamily="50" charset="-127"/>
-                        <a:ea typeface="맑은 고딕" panose="020B0503020000020004" pitchFamily="50" charset="-127"/>
-                      </a:endParaRPr>
                     </a:p>
                   </a:txBody>
                   <a:tcPr marL="10126" marR="10126" marT="10126" marB="0" anchor="ctr">
@@ -4768,7 +4694,7 @@
                     <a:p>
                       <a:pPr algn="ctr" fontAlgn="ctr"/>
                       <a:r>
-                        <a:rPr lang="ko-KR" altLang="en-US" sz="1200" b="0" i="0" u="none" strike="noStrike" dirty="0" smtClean="0">
+                        <a:rPr lang="ko-KR" altLang="en-US" sz="1200" b="0" i="0" u="none" strike="noStrike" dirty="0">
                           <a:solidFill>
                             <a:srgbClr val="000000"/>
                           </a:solidFill>
@@ -4779,7 +4705,7 @@
                         <a:t>이미지</a:t>
                       </a:r>
                       <a:r>
-                        <a:rPr lang="en-US" altLang="ko-KR" sz="1200" b="0" i="0" u="none" strike="noStrike" dirty="0" smtClean="0">
+                        <a:rPr lang="en-US" altLang="ko-KR" sz="1200" b="0" i="0" u="none" strike="noStrike" dirty="0">
                           <a:solidFill>
                             <a:srgbClr val="000000"/>
                           </a:solidFill>
@@ -4858,7 +4784,7 @@
                     <a:p>
                       <a:pPr algn="ctr" fontAlgn="ctr"/>
                       <a:r>
-                        <a:rPr lang="ko-KR" altLang="en-US" sz="1200" b="0" i="0" u="none" strike="noStrike" dirty="0" smtClean="0">
+                        <a:rPr lang="ko-KR" altLang="en-US" sz="1200" b="0" i="0" u="none" strike="noStrike" dirty="0">
                           <a:solidFill>
                             <a:srgbClr val="000000"/>
                           </a:solidFill>
@@ -4869,7 +4795,7 @@
                         <a:t>옵션</a:t>
                       </a:r>
                       <a:r>
-                        <a:rPr lang="en-US" altLang="ko-KR" sz="1200" b="0" i="0" u="none" strike="noStrike" dirty="0" smtClean="0">
+                        <a:rPr lang="en-US" altLang="ko-KR" sz="1200" b="0" i="0" u="none" strike="noStrike" dirty="0">
                           <a:solidFill>
                             <a:srgbClr val="000000"/>
                           </a:solidFill>
@@ -4936,7 +4862,7 @@
                     <a:p>
                       <a:pPr algn="ctr" fontAlgn="ctr"/>
                       <a:r>
-                        <a:rPr lang="ko-KR" altLang="en-US" sz="1200" b="0" i="0" u="none" strike="noStrike" dirty="0" smtClean="0">
+                        <a:rPr lang="ko-KR" altLang="en-US" sz="1200" b="0" i="0" u="none" strike="noStrike" dirty="0">
                           <a:solidFill>
                             <a:srgbClr val="000000"/>
                           </a:solidFill>
@@ -5008,7 +4934,7 @@
                     <a:p>
                       <a:pPr algn="ctr" fontAlgn="ctr"/>
                       <a:r>
-                        <a:rPr lang="en-US" sz="1200" b="0" i="0" u="none" strike="noStrike" dirty="0" smtClean="0">
+                        <a:rPr lang="en-US" sz="1200" b="0" i="0" u="none" strike="noStrike" dirty="0">
                           <a:solidFill>
                             <a:srgbClr val="000000"/>
                           </a:solidFill>
@@ -5018,14 +4944,6 @@
                         </a:rPr>
                         <a:t>L</a:t>
                       </a:r>
-                      <a:endParaRPr lang="en-US" sz="1200" b="0" i="0" u="none" strike="noStrike" dirty="0">
-                        <a:solidFill>
-                          <a:srgbClr val="000000"/>
-                        </a:solidFill>
-                        <a:effectLst/>
-                        <a:latin typeface="맑은 고딕" panose="020B0503020000020004" pitchFamily="50" charset="-127"/>
-                        <a:ea typeface="맑은 고딕" panose="020B0503020000020004" pitchFamily="50" charset="-127"/>
-                      </a:endParaRPr>
                     </a:p>
                   </a:txBody>
                   <a:tcPr marL="10126" marR="10126" marT="10126" marB="0" anchor="ctr">
@@ -5075,7 +4993,7 @@
                     <a:p>
                       <a:pPr algn="ctr" fontAlgn="ctr"/>
                       <a:r>
-                        <a:rPr lang="ko-KR" altLang="en-US" sz="1200" b="0" i="0" u="none" strike="noStrike" dirty="0" smtClean="0">
+                        <a:rPr lang="ko-KR" altLang="en-US" sz="1200" b="0" i="0" u="none" strike="noStrike" dirty="0">
                           <a:solidFill>
                             <a:srgbClr val="000000"/>
                           </a:solidFill>
@@ -5086,7 +5004,7 @@
                         <a:t>이미지</a:t>
                       </a:r>
                       <a:r>
-                        <a:rPr lang="en-US" altLang="ko-KR" sz="1200" b="0" i="0" u="none" strike="noStrike" dirty="0" smtClean="0">
+                        <a:rPr lang="en-US" altLang="ko-KR" sz="1200" b="0" i="0" u="none" strike="noStrike" dirty="0">
                           <a:solidFill>
                             <a:srgbClr val="000000"/>
                           </a:solidFill>
@@ -5166,13 +5084,6 @@
   <p:clrMapOvr>
     <a:masterClrMapping/>
   </p:clrMapOvr>
-  <p:timing>
-    <p:tnLst>
-      <p:par>
-        <p:cTn id="1" dur="indefinite" restart="never" nodeType="tmRoot"/>
-      </p:par>
-    </p:tnLst>
-  </p:timing>
 </p:sld>
 </file>
 
@@ -5215,14 +5126,13 @@
           <a:lstStyle/>
           <a:p>
             <a:r>
-              <a:rPr kumimoji="1" lang="en-US" altLang="ko-KR" dirty="0" smtClean="0"/>
+              <a:rPr kumimoji="1" lang="en-US" altLang="ko-KR" dirty="0"/>
               <a:t>MOBILE </a:t>
             </a:r>
             <a:r>
-              <a:rPr kumimoji="1" lang="ko-KR" altLang="en-US" dirty="0" smtClean="0"/>
+              <a:rPr kumimoji="1" lang="ko-KR" altLang="en-US" dirty="0"/>
               <a:t>상품 상세</a:t>
             </a:r>
-            <a:endParaRPr kumimoji="1" lang="ko-KR" altLang="en-US" dirty="0"/>
           </a:p>
         </p:txBody>
       </p:sp>
@@ -5322,30 +5232,6 @@
           </a:prstGeom>
         </p:spPr>
       </p:pic>
-      <p:pic>
-        <p:nvPicPr>
-          <p:cNvPr id="14" name="그림 13"/>
-          <p:cNvPicPr>
-            <a:picLocks noChangeAspect="1"/>
-          </p:cNvPicPr>
-          <p:nvPr/>
-        </p:nvPicPr>
-        <p:blipFill>
-          <a:blip r:embed="rId6"/>
-          <a:stretch>
-            <a:fillRect/>
-          </a:stretch>
-        </p:blipFill>
-        <p:spPr>
-          <a:xfrm>
-            <a:off x="5864223" y="953320"/>
-            <a:ext cx="1216093" cy="2141589"/>
-          </a:xfrm>
-          <a:prstGeom prst="rect">
-            <a:avLst/>
-          </a:prstGeom>
-        </p:spPr>
-      </p:pic>
       <p:sp>
         <p:nvSpPr>
           <p:cNvPr id="18" name="타원 17"/>
@@ -5391,7 +5277,7 @@
           <a:lstStyle/>
           <a:p>
             <a:pPr algn="ctr"/>
-            <a:endParaRPr lang="ko-KR" altLang="en-US" sz="1000" dirty="0" smtClean="0">
+            <a:endParaRPr lang="ko-KR" altLang="en-US" sz="1000" dirty="0">
               <a:solidFill>
                 <a:schemeClr val="bg1">
                   <a:lumMod val="50000"/>
@@ -5447,7 +5333,7 @@
           <a:lstStyle/>
           <a:p>
             <a:pPr algn="ctr"/>
-            <a:endParaRPr lang="ko-KR" altLang="en-US" sz="1000" dirty="0" smtClean="0">
+            <a:endParaRPr lang="ko-KR" altLang="en-US" sz="1000" dirty="0">
               <a:solidFill>
                 <a:schemeClr val="bg1">
                   <a:lumMod val="50000"/>
@@ -5503,7 +5389,7 @@
           <a:lstStyle/>
           <a:p>
             <a:pPr algn="ctr"/>
-            <a:endParaRPr lang="ko-KR" altLang="en-US" sz="1000" dirty="0" smtClean="0">
+            <a:endParaRPr lang="ko-KR" altLang="en-US" sz="1000" dirty="0">
               <a:solidFill>
                 <a:schemeClr val="bg1">
                   <a:lumMod val="50000"/>
@@ -5559,7 +5445,7 @@
           <a:lstStyle/>
           <a:p>
             <a:pPr algn="ctr"/>
-            <a:endParaRPr lang="ko-KR" altLang="en-US" sz="1000" dirty="0" smtClean="0">
+            <a:endParaRPr lang="ko-KR" altLang="en-US" sz="1000" dirty="0">
               <a:solidFill>
                 <a:schemeClr val="bg1">
                   <a:lumMod val="50000"/>
@@ -5579,7 +5465,7 @@
           <p:nvPr>
             <p:extLst>
               <p:ext uri="{D42A27DB-BD31-4B8C-83A1-F6EECF244321}">
-                <p14:modId xmlns:p14="http://schemas.microsoft.com/office/powerpoint/2010/main" val="1516377073"/>
+                <p14:modId xmlns:p14="http://schemas.microsoft.com/office/powerpoint/2010/main" val="840823485"/>
               </p:ext>
             </p:extLst>
           </p:nvPr>
@@ -5683,7 +5569,7 @@
                     <a:p>
                       <a:pPr algn="ctr" fontAlgn="t"/>
                       <a:r>
-                        <a:rPr lang="ko-KR" altLang="en-US" sz="1000" b="1" dirty="0" smtClean="0">
+                        <a:rPr lang="ko-KR" altLang="en-US" sz="1000" b="1" dirty="0">
                           <a:solidFill>
                             <a:srgbClr val="333333"/>
                           </a:solidFill>
@@ -5692,13 +5578,6 @@
                         </a:rPr>
                         <a:t>내용</a:t>
                       </a:r>
-                      <a:endParaRPr lang="ko-KR" altLang="en-US" sz="1000" b="1" dirty="0">
-                        <a:solidFill>
-                          <a:srgbClr val="333333"/>
-                        </a:solidFill>
-                        <a:effectLst/>
-                        <a:latin typeface="Tahoma" panose="020B0604030504040204" pitchFamily="34" charset="0"/>
-                      </a:endParaRPr>
                     </a:p>
                   </a:txBody>
                   <a:tcPr marL="59516" marR="59516" marT="41661" marB="41661">
@@ -5847,7 +5726,7 @@
                         <a:tabLst/>
                         <a:defRPr/>
                       </a:pPr>
-                      <a:endParaRPr lang="en-US" altLang="ko-KR" sz="1000" b="1" baseline="0" dirty="0" smtClean="0">
+                      <a:endParaRPr lang="en-US" altLang="ko-KR" sz="1000" b="1" baseline="0" dirty="0">
                         <a:solidFill>
                           <a:schemeClr val="tx1"/>
                         </a:solidFill>
@@ -5871,7 +5750,7 @@
                         <a:tabLst/>
                         <a:defRPr/>
                       </a:pPr>
-                      <a:endParaRPr lang="en-US" altLang="ko-KR" sz="1000" b="1" baseline="0" dirty="0" smtClean="0">
+                      <a:endParaRPr lang="en-US" altLang="ko-KR" sz="1000" b="1" baseline="0" dirty="0">
                         <a:solidFill>
                           <a:schemeClr val="tx1"/>
                         </a:solidFill>
@@ -5896,7 +5775,7 @@
                         <a:defRPr/>
                       </a:pPr>
                       <a:r>
-                        <a:rPr lang="ko-KR" altLang="en-US" sz="1000" b="1" baseline="0" dirty="0" err="1" smtClean="0">
+                        <a:rPr lang="ko-KR" altLang="en-US" sz="1000" b="1" baseline="0" dirty="0" err="1">
                           <a:solidFill>
                             <a:schemeClr val="tx1"/>
                           </a:solidFill>
@@ -5904,7 +5783,7 @@
                         <a:t>선택형</a:t>
                       </a:r>
                       <a:r>
-                        <a:rPr lang="ko-KR" altLang="en-US" sz="1000" b="1" baseline="0" dirty="0" smtClean="0">
+                        <a:rPr lang="ko-KR" altLang="en-US" sz="1000" b="1" baseline="0" dirty="0">
                           <a:solidFill>
                             <a:schemeClr val="tx1"/>
                           </a:solidFill>
@@ -5912,7 +5791,7 @@
                         <a:t> 옵션 </a:t>
                       </a:r>
                       <a:r>
-                        <a:rPr lang="en-US" altLang="ko-KR" sz="1000" b="1" baseline="0" dirty="0" smtClean="0">
+                        <a:rPr lang="en-US" altLang="ko-KR" sz="1000" b="1" baseline="0" dirty="0">
                           <a:solidFill>
                             <a:schemeClr val="tx1"/>
                           </a:solidFill>
@@ -5920,14 +5799,14 @@
                         <a:t>1</a:t>
                       </a:r>
                       <a:r>
-                        <a:rPr lang="ko-KR" altLang="en-US" sz="1000" b="1" baseline="0" dirty="0" smtClean="0">
+                        <a:rPr lang="ko-KR" altLang="en-US" sz="1000" b="1" baseline="0" dirty="0">
                           <a:solidFill>
                             <a:schemeClr val="tx1"/>
                           </a:solidFill>
                         </a:rPr>
                         <a:t>단계 선택 영역에 옵션 이미지 노출</a:t>
                       </a:r>
-                      <a:endParaRPr lang="en-US" altLang="ko-KR" sz="1000" b="1" baseline="0" dirty="0" smtClean="0">
+                      <a:endParaRPr lang="en-US" altLang="ko-KR" sz="1000" b="1" baseline="0" dirty="0">
                         <a:solidFill>
                           <a:schemeClr val="tx1"/>
                         </a:solidFill>
@@ -5951,7 +5830,7 @@
                         <a:tabLst/>
                         <a:defRPr/>
                       </a:pPr>
-                      <a:endParaRPr lang="en-US" altLang="ko-KR" sz="1000" b="1" baseline="0" dirty="0" smtClean="0">
+                      <a:endParaRPr lang="en-US" altLang="ko-KR" sz="1000" b="1" baseline="0" dirty="0">
                         <a:solidFill>
                           <a:schemeClr val="tx1"/>
                         </a:solidFill>
@@ -5959,82 +5838,94 @@
                     </a:p>
                     <a:p>
                       <a:r>
-                        <a:rPr lang="en-US" altLang="ko-KR" sz="1000" dirty="0" smtClean="0"/>
+                        <a:rPr lang="en-US" altLang="ko-KR" sz="1000" dirty="0"/>
                         <a:t>1. </a:t>
                       </a:r>
                       <a:r>
-                        <a:rPr lang="ko-KR" altLang="en-US" sz="1000" dirty="0" err="1" smtClean="0"/>
+                        <a:rPr lang="ko-KR" altLang="en-US" sz="1000" dirty="0" err="1"/>
                         <a:t>선택형</a:t>
                       </a:r>
                       <a:r>
-                        <a:rPr lang="ko-KR" altLang="en-US" sz="1000" dirty="0" smtClean="0"/>
+                        <a:rPr lang="ko-KR" altLang="en-US" sz="1000" dirty="0"/>
                         <a:t> 옵션 </a:t>
                       </a:r>
                       <a:r>
-                        <a:rPr lang="en-US" altLang="ko-KR" sz="1000" dirty="0" smtClean="0"/>
+                        <a:rPr lang="en-US" altLang="ko-KR" sz="1000" dirty="0"/>
                         <a:t>1</a:t>
                       </a:r>
                       <a:r>
-                        <a:rPr lang="ko-KR" altLang="en-US" sz="1000" dirty="0" smtClean="0"/>
+                        <a:rPr lang="ko-KR" altLang="en-US" sz="1000" dirty="0"/>
                         <a:t>단계 설정 상품의 경우</a:t>
                       </a:r>
-                      <a:endParaRPr lang="en-US" altLang="ko-KR" sz="1000" dirty="0" smtClean="0"/>
+                      <a:endParaRPr lang="en-US" altLang="ko-KR" sz="1000" dirty="0"/>
                     </a:p>
                     <a:p>
                       <a:r>
-                        <a:rPr lang="en-US" altLang="ko-KR" sz="1000" dirty="0" smtClean="0"/>
+                        <a:rPr lang="en-US" altLang="ko-KR" sz="1000" dirty="0"/>
                         <a:t>    - </a:t>
                       </a:r>
                       <a:r>
-                        <a:rPr lang="ko-KR" altLang="en-US" sz="1000" dirty="0" smtClean="0"/>
+                        <a:rPr lang="ko-KR" altLang="en-US" sz="1000" dirty="0"/>
                         <a:t>각 옵션 이미지 노출</a:t>
                       </a:r>
-                      <a:endParaRPr lang="en-US" altLang="ko-KR" sz="1000" dirty="0" smtClean="0"/>
+                      <a:endParaRPr lang="en-US" altLang="ko-KR" sz="1000" dirty="0"/>
                     </a:p>
                     <a:p>
-                      <a:endParaRPr lang="en-US" altLang="ko-KR" sz="1000" dirty="0" smtClean="0"/>
+                      <a:endParaRPr lang="en-US" altLang="ko-KR" sz="1000" dirty="0"/>
                     </a:p>
                     <a:p>
                       <a:r>
-                        <a:rPr lang="en-US" altLang="ko-KR" sz="1000" dirty="0" smtClean="0"/>
+                        <a:rPr lang="en-US" altLang="ko-KR" sz="1000" dirty="0"/>
                         <a:t>2. </a:t>
                       </a:r>
                       <a:r>
-                        <a:rPr lang="ko-KR" altLang="en-US" sz="1000" dirty="0" err="1" smtClean="0"/>
+                        <a:rPr lang="ko-KR" altLang="en-US" sz="1000" dirty="0" err="1"/>
                         <a:t>선택형</a:t>
                       </a:r>
                       <a:r>
-                        <a:rPr lang="ko-KR" altLang="en-US" sz="1000" dirty="0" smtClean="0"/>
+                        <a:rPr lang="ko-KR" altLang="en-US" sz="1000" dirty="0"/>
                         <a:t> 옵션 </a:t>
                       </a:r>
                       <a:r>
-                        <a:rPr lang="en-US" altLang="ko-KR" sz="1000" dirty="0" smtClean="0"/>
+                        <a:rPr lang="en-US" altLang="ko-KR" sz="1000" dirty="0"/>
                         <a:t>2</a:t>
                       </a:r>
                       <a:r>
-                        <a:rPr lang="ko-KR" altLang="en-US" sz="1000" dirty="0" smtClean="0"/>
+                        <a:rPr lang="ko-KR" altLang="en-US" sz="1000" dirty="0"/>
                         <a:t>단계 이상 설정 상품의 경우</a:t>
                       </a:r>
-                      <a:endParaRPr lang="en-US" altLang="ko-KR" sz="1000" dirty="0" smtClean="0"/>
+                      <a:endParaRPr lang="en-US" altLang="ko-KR" sz="1000" dirty="0"/>
                     </a:p>
                     <a:p>
                       <a:r>
-                        <a:rPr lang="en-US" altLang="ko-KR" sz="1000" dirty="0" smtClean="0"/>
+                        <a:rPr lang="en-US" altLang="ko-KR" sz="1000" dirty="0"/>
                         <a:t>    - </a:t>
                       </a:r>
                       <a:r>
-                        <a:rPr lang="ko-KR" altLang="en-US" sz="1000" dirty="0" smtClean="0"/>
+                        <a:rPr lang="ko-KR" altLang="en-US" sz="1000" dirty="0"/>
                         <a:t>각 </a:t>
                       </a:r>
                       <a:r>
-                        <a:rPr lang="en-US" altLang="ko-KR" sz="1000" dirty="0" smtClean="0"/>
+                        <a:rPr lang="en-US" altLang="ko-KR" sz="1000" dirty="0"/>
                         <a:t>1</a:t>
                       </a:r>
                       <a:r>
-                        <a:rPr lang="ko-KR" altLang="en-US" sz="1000" dirty="0" smtClean="0"/>
-                        <a:t>단계 이하 옵션 이미지들 중 첫 번째 옵션 이미지 노출</a:t>
+                        <a:rPr lang="ko-KR" altLang="en-US" sz="1000" dirty="0"/>
+                        <a:t>단계 이하 옵션 이미지들 중 첫 번째 옵션</a:t>
                       </a:r>
-                      <a:endParaRPr lang="en-US" altLang="ko-KR" sz="1000" dirty="0" smtClean="0"/>
+                      <a:r>
+                        <a:rPr lang="en-US" altLang="ko-KR" sz="1000"/>
+                        <a:t>222</a:t>
+                      </a:r>
+                      <a:r>
+                        <a:rPr lang="ko-KR" altLang="en-US" sz="1000"/>
+                        <a:t> </a:t>
+                      </a:r>
+                      <a:r>
+                        <a:rPr lang="ko-KR" altLang="en-US" sz="1000" dirty="0"/>
+                        <a:t>이미지 노출</a:t>
+                      </a:r>
+                      <a:endParaRPr lang="en-US" altLang="ko-KR" sz="1000" dirty="0"/>
                     </a:p>
                     <a:p>
                       <a:pPr marL="0" marR="0" lvl="0" indent="0" algn="l" defTabSz="914400" rtl="0" eaLnBrk="1" fontAlgn="auto" latinLnBrk="1" hangingPunct="1">
@@ -6054,7 +5945,7 @@
                         <a:tabLst/>
                         <a:defRPr/>
                       </a:pPr>
-                      <a:endParaRPr lang="en-US" altLang="ko-KR" sz="1000" b="0" baseline="0" dirty="0" smtClean="0">
+                      <a:endParaRPr lang="en-US" altLang="ko-KR" sz="1000" b="0" baseline="0" dirty="0">
                         <a:solidFill>
                           <a:schemeClr val="tx1"/>
                         </a:solidFill>
@@ -6207,7 +6098,7 @@
                         <a:tabLst/>
                         <a:defRPr/>
                       </a:pPr>
-                      <a:endParaRPr lang="en-US" altLang="ko-KR" sz="1000" b="1" baseline="0" dirty="0" smtClean="0">
+                      <a:endParaRPr lang="en-US" altLang="ko-KR" sz="1000" b="1" baseline="0" dirty="0">
                         <a:solidFill>
                           <a:schemeClr val="tx1"/>
                         </a:solidFill>
@@ -6232,7 +6123,7 @@
                         <a:defRPr/>
                       </a:pPr>
                       <a:r>
-                        <a:rPr lang="ko-KR" altLang="en-US" sz="1000" b="1" baseline="0" dirty="0" smtClean="0">
+                        <a:rPr lang="ko-KR" altLang="en-US" sz="1000" b="1" baseline="0" dirty="0">
                           <a:solidFill>
                             <a:schemeClr val="tx1"/>
                           </a:solidFill>
@@ -6240,7 +6131,7 @@
                         <a:t>등록된 옵션 이미지가 없는 경우</a:t>
                       </a:r>
                       <a:r>
-                        <a:rPr lang="en-US" altLang="ko-KR" sz="1000" b="1" baseline="0" dirty="0" smtClean="0">
+                        <a:rPr lang="en-US" altLang="ko-KR" sz="1000" b="1" baseline="0" dirty="0">
                           <a:solidFill>
                             <a:schemeClr val="tx1"/>
                           </a:solidFill>
@@ -6248,14 +6139,14 @@
                         <a:t> </a:t>
                       </a:r>
                       <a:r>
-                        <a:rPr lang="ko-KR" altLang="en-US" sz="1000" b="1" baseline="0" dirty="0" smtClean="0">
+                        <a:rPr lang="ko-KR" altLang="en-US" sz="1000" b="1" baseline="0" dirty="0">
                           <a:solidFill>
                             <a:schemeClr val="tx1"/>
                           </a:solidFill>
                         </a:rPr>
                         <a:t>기본 이미지 노출</a:t>
                       </a:r>
-                      <a:endParaRPr lang="en-US" altLang="ko-KR" sz="1000" b="1" baseline="0" dirty="0" smtClean="0">
+                      <a:endParaRPr lang="en-US" altLang="ko-KR" sz="1000" b="1" baseline="0" dirty="0">
                         <a:solidFill>
                           <a:schemeClr val="tx1"/>
                         </a:solidFill>
@@ -6279,7 +6170,7 @@
                         <a:tabLst/>
                         <a:defRPr/>
                       </a:pPr>
-                      <a:endParaRPr lang="en-US" altLang="ko-KR" sz="1000" b="1" baseline="0" dirty="0" smtClean="0">
+                      <a:endParaRPr lang="en-US" altLang="ko-KR" sz="1000" b="1" baseline="0" dirty="0">
                         <a:solidFill>
                           <a:schemeClr val="tx1"/>
                         </a:solidFill>
@@ -6355,7 +6246,7 @@
           <p:nvPr/>
         </p:nvPicPr>
         <p:blipFill rotWithShape="1">
-          <a:blip r:embed="rId7"/>
+          <a:blip r:embed="rId6"/>
           <a:srcRect l="2319" t="60474" r="2348" b="13265"/>
           <a:stretch/>
         </p:blipFill>
@@ -6422,7 +6313,7 @@
           <a:lstStyle/>
           <a:p>
             <a:pPr algn="ctr"/>
-            <a:endParaRPr lang="ko-KR" altLang="en-US" sz="100" dirty="0" smtClean="0">
+            <a:endParaRPr lang="ko-KR" altLang="en-US" sz="100" dirty="0">
               <a:solidFill>
                 <a:schemeClr val="bg1">
                   <a:lumMod val="50000"/>
@@ -6479,7 +6370,7 @@
           <a:lstStyle/>
           <a:p>
             <a:pPr algn="ctr"/>
-            <a:endParaRPr lang="ko-KR" altLang="en-US" sz="1000" dirty="0" smtClean="0">
+            <a:endParaRPr lang="ko-KR" altLang="en-US" sz="1000" dirty="0">
               <a:solidFill>
                 <a:schemeClr val="bg1">
                   <a:lumMod val="50000"/>
@@ -6543,7 +6434,7 @@
           <a:lstStyle/>
           <a:p>
             <a:pPr algn="ctr"/>
-            <a:endParaRPr lang="ko-KR" altLang="en-US" sz="100" dirty="0" smtClean="0">
+            <a:endParaRPr lang="ko-KR" altLang="en-US" sz="100" dirty="0">
               <a:solidFill>
                 <a:schemeClr val="bg1">
                   <a:lumMod val="50000"/>
@@ -6600,7 +6491,7 @@
           <a:lstStyle/>
           <a:p>
             <a:pPr algn="ctr"/>
-            <a:endParaRPr lang="ko-KR" altLang="en-US" sz="1000" dirty="0" smtClean="0">
+            <a:endParaRPr lang="ko-KR" altLang="en-US" sz="1000" dirty="0">
               <a:solidFill>
                 <a:schemeClr val="bg1">
                   <a:lumMod val="50000"/>
@@ -6634,7 +6525,7 @@
             <p:nvPr/>
           </p:nvPicPr>
           <p:blipFill rotWithShape="1">
-            <a:blip r:embed="rId7"/>
+            <a:blip r:embed="rId6"/>
             <a:srcRect l="-2101" t="69931" r="-2308" b="11515"/>
             <a:stretch/>
           </p:blipFill>
@@ -6657,7 +6548,7 @@
             <p:nvPr/>
           </p:nvPicPr>
           <p:blipFill rotWithShape="1">
-            <a:blip r:embed="rId7"/>
+            <a:blip r:embed="rId6"/>
             <a:srcRect l="-2101" t="85907" r="-2308" b="-1480"/>
             <a:stretch/>
           </p:blipFill>
@@ -6725,7 +6616,7 @@
           <a:lstStyle/>
           <a:p>
             <a:pPr algn="ctr"/>
-            <a:endParaRPr lang="ko-KR" altLang="en-US" sz="100" dirty="0" smtClean="0">
+            <a:endParaRPr lang="ko-KR" altLang="en-US" sz="100" dirty="0">
               <a:solidFill>
                 <a:schemeClr val="bg1">
                   <a:lumMod val="50000"/>
@@ -6782,7 +6673,7 @@
           <a:lstStyle/>
           <a:p>
             <a:pPr algn="ctr"/>
-            <a:endParaRPr lang="ko-KR" altLang="en-US" sz="1000" dirty="0" smtClean="0">
+            <a:endParaRPr lang="ko-KR" altLang="en-US" sz="1000" dirty="0">
               <a:solidFill>
                 <a:schemeClr val="bg1">
                   <a:lumMod val="50000"/>
@@ -6835,7 +6726,7 @@
           <a:lstStyle/>
           <a:p>
             <a:r>
-              <a:rPr lang="ko-KR" altLang="en-US" sz="600" dirty="0" smtClean="0">
+              <a:rPr lang="ko-KR" altLang="en-US" sz="600" dirty="0">
                 <a:solidFill>
                   <a:schemeClr val="tx1"/>
                 </a:solidFill>
@@ -6843,12 +6734,6 @@
               </a:rPr>
               <a:t>파랑</a:t>
             </a:r>
-            <a:endParaRPr lang="ko-KR" altLang="en-US" sz="600" dirty="0" smtClean="0">
-              <a:solidFill>
-                <a:schemeClr val="tx1"/>
-              </a:solidFill>
-              <a:latin typeface="+mn-ea"/>
-            </a:endParaRPr>
           </a:p>
         </p:txBody>
       </p:sp>
@@ -6894,7 +6779,7 @@
           <a:lstStyle/>
           <a:p>
             <a:r>
-              <a:rPr lang="ko-KR" altLang="en-US" sz="600" dirty="0" smtClean="0">
+              <a:rPr lang="ko-KR" altLang="en-US" sz="600" dirty="0">
                 <a:solidFill>
                   <a:schemeClr val="tx1"/>
                 </a:solidFill>
@@ -6902,12 +6787,6 @@
               </a:rPr>
               <a:t>초록</a:t>
             </a:r>
-            <a:endParaRPr lang="ko-KR" altLang="en-US" sz="600" dirty="0" smtClean="0">
-              <a:solidFill>
-                <a:schemeClr val="tx1"/>
-              </a:solidFill>
-              <a:latin typeface="+mn-ea"/>
-            </a:endParaRPr>
           </a:p>
         </p:txBody>
       </p:sp>
@@ -6953,7 +6832,7 @@
           <a:lstStyle/>
           <a:p>
             <a:r>
-              <a:rPr lang="ko-KR" altLang="en-US" sz="600" dirty="0" smtClean="0">
+              <a:rPr lang="ko-KR" altLang="en-US" sz="600" dirty="0">
                 <a:solidFill>
                   <a:schemeClr val="tx1"/>
                 </a:solidFill>
@@ -6961,12 +6840,6 @@
               </a:rPr>
               <a:t>빨강</a:t>
             </a:r>
-            <a:endParaRPr lang="ko-KR" altLang="en-US" sz="600" dirty="0" smtClean="0">
-              <a:solidFill>
-                <a:schemeClr val="tx1"/>
-              </a:solidFill>
-              <a:latin typeface="+mn-ea"/>
-            </a:endParaRPr>
           </a:p>
         </p:txBody>
       </p:sp>
@@ -7015,7 +6888,7 @@
           <a:lstStyle/>
           <a:p>
             <a:pPr algn="ctr"/>
-            <a:endParaRPr lang="ko-KR" altLang="en-US" sz="1000" dirty="0" smtClean="0">
+            <a:endParaRPr lang="ko-KR" altLang="en-US" sz="1000" dirty="0">
               <a:solidFill>
                 <a:schemeClr val="bg1">
                   <a:lumMod val="50000"/>
@@ -7026,6 +6899,36 @@
           </a:p>
         </p:txBody>
       </p:sp>
+      <p:pic>
+        <p:nvPicPr>
+          <p:cNvPr id="4" name="그림 3">
+            <a:extLst>
+              <a:ext uri="{FF2B5EF4-FFF2-40B4-BE49-F238E27FC236}">
+                <a16:creationId xmlns:a16="http://schemas.microsoft.com/office/drawing/2014/main" id="{4DF25800-3DA5-6548-9E7D-B75B764AC828}"/>
+              </a:ext>
+            </a:extLst>
+          </p:cNvPr>
+          <p:cNvPicPr>
+            <a:picLocks noChangeAspect="1"/>
+          </p:cNvPicPr>
+          <p:nvPr/>
+        </p:nvPicPr>
+        <p:blipFill>
+          <a:blip r:embed="rId7"/>
+          <a:stretch>
+            <a:fillRect/>
+          </a:stretch>
+        </p:blipFill>
+        <p:spPr>
+          <a:xfrm>
+            <a:off x="4832639" y="2051120"/>
+            <a:ext cx="3834027" cy="3004151"/>
+          </a:xfrm>
+          <a:prstGeom prst="rect">
+            <a:avLst/>
+          </a:prstGeom>
+        </p:spPr>
+      </p:pic>
     </p:spTree>
     <p:extLst>
       <p:ext uri="{BB962C8B-B14F-4D97-AF65-F5344CB8AC3E}">
@@ -7036,17 +6939,1847 @@
   <p:clrMapOvr>
     <a:masterClrMapping/>
   </p:clrMapOvr>
-  <p:timing>
-    <p:tnLst>
-      <p:par>
-        <p:cTn id="1" dur="indefinite" restart="never" nodeType="tmRoot"/>
-      </p:par>
-    </p:tnLst>
-  </p:timing>
 </p:sld>
 </file>
 
 <file path=ppt/slides/slide4.xml><?xml version="1.0" encoding="utf-8"?>
+<p:sld xmlns:a="http://schemas.openxmlformats.org/drawingml/2006/main" xmlns:r="http://schemas.openxmlformats.org/officeDocument/2006/relationships" xmlns:p="http://schemas.openxmlformats.org/presentationml/2006/main">
+  <p:cSld>
+    <p:spTree>
+      <p:nvGrpSpPr>
+        <p:cNvPr id="1" name=""/>
+        <p:cNvGrpSpPr/>
+        <p:nvPr/>
+      </p:nvGrpSpPr>
+      <p:grpSpPr>
+        <a:xfrm>
+          <a:off x="0" y="0"/>
+          <a:ext cx="0" cy="0"/>
+          <a:chOff x="0" y="0"/>
+          <a:chExt cx="0" cy="0"/>
+        </a:xfrm>
+      </p:grpSpPr>
+      <p:sp>
+        <p:nvSpPr>
+          <p:cNvPr id="2" name="제목 1">
+            <a:extLst>
+              <a:ext uri="{FF2B5EF4-FFF2-40B4-BE49-F238E27FC236}">
+                <a16:creationId xmlns:a16="http://schemas.microsoft.com/office/drawing/2014/main" id="{3EDBFF5C-DCD9-4E42-9945-0F624DDC0E4B}"/>
+              </a:ext>
+            </a:extLst>
+          </p:cNvPr>
+          <p:cNvSpPr>
+            <a:spLocks noGrp="1"/>
+          </p:cNvSpPr>
+          <p:nvPr>
+            <p:ph type="title"/>
+          </p:nvPr>
+        </p:nvSpPr>
+        <p:spPr/>
+        <p:txBody>
+          <a:bodyPr/>
+          <a:lstStyle/>
+          <a:p>
+            <a:r>
+              <a:rPr kumimoji="1" lang="en-US" altLang="ko-KR" dirty="0"/>
+              <a:t>MOBILE </a:t>
+            </a:r>
+            <a:r>
+              <a:rPr kumimoji="1" lang="ko-KR" altLang="en-US" dirty="0"/>
+              <a:t>상품 상세</a:t>
+            </a:r>
+          </a:p>
+        </p:txBody>
+      </p:sp>
+      <p:pic>
+        <p:nvPicPr>
+          <p:cNvPr id="8" name="그림 7"/>
+          <p:cNvPicPr>
+            <a:picLocks noChangeAspect="1"/>
+          </p:cNvPicPr>
+          <p:nvPr/>
+        </p:nvPicPr>
+        <p:blipFill>
+          <a:blip r:embed="rId2"/>
+          <a:stretch>
+            <a:fillRect/>
+          </a:stretch>
+        </p:blipFill>
+        <p:spPr>
+          <a:xfrm>
+            <a:off x="211632" y="953320"/>
+            <a:ext cx="1216093" cy="2141589"/>
+          </a:xfrm>
+          <a:prstGeom prst="rect">
+            <a:avLst/>
+          </a:prstGeom>
+        </p:spPr>
+      </p:pic>
+      <p:pic>
+        <p:nvPicPr>
+          <p:cNvPr id="9" name="그림 8"/>
+          <p:cNvPicPr>
+            <a:picLocks noChangeAspect="1"/>
+          </p:cNvPicPr>
+          <p:nvPr/>
+        </p:nvPicPr>
+        <p:blipFill>
+          <a:blip r:embed="rId3"/>
+          <a:stretch>
+            <a:fillRect/>
+          </a:stretch>
+        </p:blipFill>
+        <p:spPr>
+          <a:xfrm>
+            <a:off x="1420453" y="953320"/>
+            <a:ext cx="1216093" cy="2141589"/>
+          </a:xfrm>
+          <a:prstGeom prst="rect">
+            <a:avLst/>
+          </a:prstGeom>
+        </p:spPr>
+      </p:pic>
+      <p:pic>
+        <p:nvPicPr>
+          <p:cNvPr id="13" name="그림 12"/>
+          <p:cNvPicPr>
+            <a:picLocks noChangeAspect="1"/>
+          </p:cNvPicPr>
+          <p:nvPr/>
+        </p:nvPicPr>
+        <p:blipFill>
+          <a:blip r:embed="rId4"/>
+          <a:stretch>
+            <a:fillRect/>
+          </a:stretch>
+        </p:blipFill>
+        <p:spPr>
+          <a:xfrm>
+            <a:off x="4648130" y="953320"/>
+            <a:ext cx="1216093" cy="2141589"/>
+          </a:xfrm>
+          <a:prstGeom prst="rect">
+            <a:avLst/>
+          </a:prstGeom>
+        </p:spPr>
+      </p:pic>
+      <p:pic>
+        <p:nvPicPr>
+          <p:cNvPr id="14" name="그림 13"/>
+          <p:cNvPicPr>
+            <a:picLocks noChangeAspect="1"/>
+          </p:cNvPicPr>
+          <p:nvPr/>
+        </p:nvPicPr>
+        <p:blipFill>
+          <a:blip r:embed="rId5"/>
+          <a:stretch>
+            <a:fillRect/>
+          </a:stretch>
+        </p:blipFill>
+        <p:spPr>
+          <a:xfrm>
+            <a:off x="5864223" y="953320"/>
+            <a:ext cx="1216093" cy="2141589"/>
+          </a:xfrm>
+          <a:prstGeom prst="rect">
+            <a:avLst/>
+          </a:prstGeom>
+        </p:spPr>
+      </p:pic>
+      <p:sp>
+        <p:nvSpPr>
+          <p:cNvPr id="18" name="타원 17"/>
+          <p:cNvSpPr/>
+          <p:nvPr/>
+        </p:nvSpPr>
+        <p:spPr>
+          <a:xfrm>
+            <a:off x="1089210" y="2908665"/>
+            <a:ext cx="150187" cy="150187"/>
+          </a:xfrm>
+          <a:prstGeom prst="ellipse">
+            <a:avLst/>
+          </a:prstGeom>
+          <a:solidFill>
+            <a:schemeClr val="bg2">
+              <a:lumMod val="90000"/>
+              <a:alpha val="69804"/>
+            </a:schemeClr>
+          </a:solidFill>
+          <a:ln>
+            <a:noFill/>
+          </a:ln>
+        </p:spPr>
+        <p:style>
+          <a:lnRef idx="2">
+            <a:schemeClr val="accent1">
+              <a:shade val="50000"/>
+            </a:schemeClr>
+          </a:lnRef>
+          <a:fillRef idx="1">
+            <a:schemeClr val="accent1"/>
+          </a:fillRef>
+          <a:effectRef idx="0">
+            <a:schemeClr val="accent1"/>
+          </a:effectRef>
+          <a:fontRef idx="minor">
+            <a:schemeClr val="lt1"/>
+          </a:fontRef>
+        </p:style>
+        <p:txBody>
+          <a:bodyPr rtlCol="0" anchor="ctr"/>
+          <a:lstStyle/>
+          <a:p>
+            <a:pPr algn="ctr"/>
+            <a:endParaRPr lang="ko-KR" altLang="en-US" sz="1000" dirty="0">
+              <a:solidFill>
+                <a:schemeClr val="bg1">
+                  <a:lumMod val="50000"/>
+                </a:schemeClr>
+              </a:solidFill>
+              <a:latin typeface="+mn-ea"/>
+            </a:endParaRPr>
+          </a:p>
+        </p:txBody>
+      </p:sp>
+      <p:sp>
+        <p:nvSpPr>
+          <p:cNvPr id="26" name="타원 25"/>
+          <p:cNvSpPr/>
+          <p:nvPr/>
+        </p:nvSpPr>
+        <p:spPr>
+          <a:xfrm>
+            <a:off x="2372323" y="2527002"/>
+            <a:ext cx="150187" cy="150187"/>
+          </a:xfrm>
+          <a:prstGeom prst="ellipse">
+            <a:avLst/>
+          </a:prstGeom>
+          <a:solidFill>
+            <a:schemeClr val="bg2">
+              <a:lumMod val="90000"/>
+              <a:alpha val="69804"/>
+            </a:schemeClr>
+          </a:solidFill>
+          <a:ln>
+            <a:noFill/>
+          </a:ln>
+        </p:spPr>
+        <p:style>
+          <a:lnRef idx="2">
+            <a:schemeClr val="accent1">
+              <a:shade val="50000"/>
+            </a:schemeClr>
+          </a:lnRef>
+          <a:fillRef idx="1">
+            <a:schemeClr val="accent1"/>
+          </a:fillRef>
+          <a:effectRef idx="0">
+            <a:schemeClr val="accent1"/>
+          </a:effectRef>
+          <a:fontRef idx="minor">
+            <a:schemeClr val="lt1"/>
+          </a:fontRef>
+        </p:style>
+        <p:txBody>
+          <a:bodyPr rtlCol="0" anchor="ctr"/>
+          <a:lstStyle/>
+          <a:p>
+            <a:pPr algn="ctr"/>
+            <a:endParaRPr lang="ko-KR" altLang="en-US" sz="1000" dirty="0">
+              <a:solidFill>
+                <a:schemeClr val="bg1">
+                  <a:lumMod val="50000"/>
+                </a:schemeClr>
+              </a:solidFill>
+              <a:latin typeface="+mn-ea"/>
+            </a:endParaRPr>
+          </a:p>
+        </p:txBody>
+      </p:sp>
+      <p:sp>
+        <p:nvSpPr>
+          <p:cNvPr id="29" name="타원 28"/>
+          <p:cNvSpPr/>
+          <p:nvPr/>
+        </p:nvSpPr>
+        <p:spPr>
+          <a:xfrm>
+            <a:off x="5539796" y="2250752"/>
+            <a:ext cx="150187" cy="150187"/>
+          </a:xfrm>
+          <a:prstGeom prst="ellipse">
+            <a:avLst/>
+          </a:prstGeom>
+          <a:solidFill>
+            <a:schemeClr val="bg2">
+              <a:lumMod val="90000"/>
+              <a:alpha val="69804"/>
+            </a:schemeClr>
+          </a:solidFill>
+          <a:ln>
+            <a:noFill/>
+          </a:ln>
+        </p:spPr>
+        <p:style>
+          <a:lnRef idx="2">
+            <a:schemeClr val="accent1">
+              <a:shade val="50000"/>
+            </a:schemeClr>
+          </a:lnRef>
+          <a:fillRef idx="1">
+            <a:schemeClr val="accent1"/>
+          </a:fillRef>
+          <a:effectRef idx="0">
+            <a:schemeClr val="accent1"/>
+          </a:effectRef>
+          <a:fontRef idx="minor">
+            <a:schemeClr val="lt1"/>
+          </a:fontRef>
+        </p:style>
+        <p:txBody>
+          <a:bodyPr rtlCol="0" anchor="ctr"/>
+          <a:lstStyle/>
+          <a:p>
+            <a:pPr algn="ctr"/>
+            <a:endParaRPr lang="ko-KR" altLang="en-US" sz="1000" dirty="0">
+              <a:solidFill>
+                <a:schemeClr val="bg1">
+                  <a:lumMod val="50000"/>
+                </a:schemeClr>
+              </a:solidFill>
+              <a:latin typeface="+mn-ea"/>
+            </a:endParaRPr>
+          </a:p>
+        </p:txBody>
+      </p:sp>
+      <p:sp>
+        <p:nvSpPr>
+          <p:cNvPr id="31" name="타원 30"/>
+          <p:cNvSpPr/>
+          <p:nvPr/>
+        </p:nvSpPr>
+        <p:spPr>
+          <a:xfrm>
+            <a:off x="6755889" y="2278012"/>
+            <a:ext cx="150187" cy="150187"/>
+          </a:xfrm>
+          <a:prstGeom prst="ellipse">
+            <a:avLst/>
+          </a:prstGeom>
+          <a:solidFill>
+            <a:schemeClr val="bg2">
+              <a:lumMod val="90000"/>
+              <a:alpha val="69804"/>
+            </a:schemeClr>
+          </a:solidFill>
+          <a:ln>
+            <a:noFill/>
+          </a:ln>
+        </p:spPr>
+        <p:style>
+          <a:lnRef idx="2">
+            <a:schemeClr val="accent1">
+              <a:shade val="50000"/>
+            </a:schemeClr>
+          </a:lnRef>
+          <a:fillRef idx="1">
+            <a:schemeClr val="accent1"/>
+          </a:fillRef>
+          <a:effectRef idx="0">
+            <a:schemeClr val="accent1"/>
+          </a:effectRef>
+          <a:fontRef idx="minor">
+            <a:schemeClr val="lt1"/>
+          </a:fontRef>
+        </p:style>
+        <p:txBody>
+          <a:bodyPr rtlCol="0" anchor="ctr"/>
+          <a:lstStyle/>
+          <a:p>
+            <a:pPr algn="ctr"/>
+            <a:endParaRPr lang="ko-KR" altLang="en-US" sz="1000" dirty="0">
+              <a:solidFill>
+                <a:schemeClr val="bg1">
+                  <a:lumMod val="50000"/>
+                </a:schemeClr>
+              </a:solidFill>
+              <a:latin typeface="+mn-ea"/>
+            </a:endParaRPr>
+          </a:p>
+        </p:txBody>
+      </p:sp>
+      <p:graphicFrame>
+        <p:nvGraphicFramePr>
+          <p:cNvPr id="65" name="표 64"/>
+          <p:cNvGraphicFramePr>
+            <a:graphicFrameLocks noGrp="1"/>
+          </p:cNvGraphicFramePr>
+          <p:nvPr/>
+        </p:nvGraphicFramePr>
+        <p:xfrm>
+          <a:off x="8505092" y="953320"/>
+          <a:ext cx="3351946" cy="2535966"/>
+        </p:xfrm>
+        <a:graphic>
+          <a:graphicData uri="http://schemas.openxmlformats.org/drawingml/2006/table">
+            <a:tbl>
+              <a:tblPr/>
+              <a:tblGrid>
+                <a:gridCol w="308575">
+                  <a:extLst>
+                    <a:ext uri="{9D8B030D-6E8A-4147-A177-3AD203B41FA5}">
+                      <a16:colId xmlns:a16="http://schemas.microsoft.com/office/drawing/2014/main" val="659254597"/>
+                    </a:ext>
+                  </a:extLst>
+                </a:gridCol>
+                <a:gridCol w="3043371">
+                  <a:extLst>
+                    <a:ext uri="{9D8B030D-6E8A-4147-A177-3AD203B41FA5}">
+                      <a16:colId xmlns:a16="http://schemas.microsoft.com/office/drawing/2014/main" val="196836573"/>
+                    </a:ext>
+                  </a:extLst>
+                </a:gridCol>
+              </a:tblGrid>
+              <a:tr h="0">
+                <a:tc>
+                  <a:txBody>
+                    <a:bodyPr/>
+                    <a:lstStyle/>
+                    <a:p>
+                      <a:pPr algn="ctr" fontAlgn="t"/>
+                      <a:endParaRPr lang="ko-KR" altLang="en-US" sz="1000" b="1" dirty="0">
+                        <a:solidFill>
+                          <a:srgbClr val="333333"/>
+                        </a:solidFill>
+                        <a:effectLst/>
+                        <a:latin typeface="Tahoma" panose="020B0604030504040204" pitchFamily="34" charset="0"/>
+                      </a:endParaRPr>
+                    </a:p>
+                  </a:txBody>
+                  <a:tcPr marL="59516" marR="59516" marT="41661" marB="41661">
+                    <a:lnL w="6350" cap="flat" cmpd="sng" algn="ctr">
+                      <a:solidFill>
+                        <a:schemeClr val="bg1">
+                          <a:lumMod val="75000"/>
+                        </a:schemeClr>
+                      </a:solidFill>
+                      <a:prstDash val="solid"/>
+                      <a:round/>
+                      <a:headEnd type="none" w="med" len="med"/>
+                      <a:tailEnd type="none" w="med" len="med"/>
+                    </a:lnL>
+                    <a:lnR w="6350" cap="flat" cmpd="sng" algn="ctr">
+                      <a:solidFill>
+                        <a:schemeClr val="bg1">
+                          <a:lumMod val="75000"/>
+                        </a:schemeClr>
+                      </a:solidFill>
+                      <a:prstDash val="solid"/>
+                      <a:round/>
+                      <a:headEnd type="none" w="med" len="med"/>
+                      <a:tailEnd type="none" w="med" len="med"/>
+                    </a:lnR>
+                    <a:lnT w="6350" cap="flat" cmpd="sng" algn="ctr">
+                      <a:solidFill>
+                        <a:schemeClr val="bg1">
+                          <a:lumMod val="75000"/>
+                        </a:schemeClr>
+                      </a:solidFill>
+                      <a:prstDash val="solid"/>
+                      <a:round/>
+                      <a:headEnd type="none" w="med" len="med"/>
+                      <a:tailEnd type="none" w="med" len="med"/>
+                    </a:lnT>
+                    <a:lnB w="6350" cap="flat" cmpd="sng" algn="ctr">
+                      <a:solidFill>
+                        <a:schemeClr val="bg1">
+                          <a:lumMod val="75000"/>
+                        </a:schemeClr>
+                      </a:solidFill>
+                      <a:prstDash val="solid"/>
+                      <a:round/>
+                      <a:headEnd type="none" w="med" len="med"/>
+                      <a:tailEnd type="none" w="med" len="med"/>
+                    </a:lnB>
+                    <a:solidFill>
+                      <a:schemeClr val="bg1">
+                        <a:lumMod val="95000"/>
+                      </a:schemeClr>
+                    </a:solidFill>
+                  </a:tcPr>
+                </a:tc>
+                <a:tc>
+                  <a:txBody>
+                    <a:bodyPr/>
+                    <a:lstStyle/>
+                    <a:p>
+                      <a:pPr algn="ctr" fontAlgn="t"/>
+                      <a:r>
+                        <a:rPr lang="ko-KR" altLang="en-US" sz="1000" b="1" dirty="0">
+                          <a:solidFill>
+                            <a:srgbClr val="333333"/>
+                          </a:solidFill>
+                          <a:effectLst/>
+                          <a:latin typeface="Tahoma" panose="020B0604030504040204" pitchFamily="34" charset="0"/>
+                        </a:rPr>
+                        <a:t>내용</a:t>
+                      </a:r>
+                    </a:p>
+                  </a:txBody>
+                  <a:tcPr marL="59516" marR="59516" marT="41661" marB="41661">
+                    <a:lnL w="6350" cap="flat" cmpd="sng" algn="ctr">
+                      <a:solidFill>
+                        <a:schemeClr val="bg1">
+                          <a:lumMod val="75000"/>
+                        </a:schemeClr>
+                      </a:solidFill>
+                      <a:prstDash val="solid"/>
+                      <a:round/>
+                      <a:headEnd type="none" w="med" len="med"/>
+                      <a:tailEnd type="none" w="med" len="med"/>
+                    </a:lnL>
+                    <a:lnR w="6350" cap="flat" cmpd="sng" algn="ctr">
+                      <a:solidFill>
+                        <a:schemeClr val="bg1">
+                          <a:lumMod val="75000"/>
+                        </a:schemeClr>
+                      </a:solidFill>
+                      <a:prstDash val="solid"/>
+                      <a:round/>
+                      <a:headEnd type="none" w="med" len="med"/>
+                      <a:tailEnd type="none" w="med" len="med"/>
+                    </a:lnR>
+                    <a:lnT w="6350" cap="flat" cmpd="sng" algn="ctr">
+                      <a:solidFill>
+                        <a:schemeClr val="bg1">
+                          <a:lumMod val="75000"/>
+                        </a:schemeClr>
+                      </a:solidFill>
+                      <a:prstDash val="solid"/>
+                      <a:round/>
+                      <a:headEnd type="none" w="med" len="med"/>
+                      <a:tailEnd type="none" w="med" len="med"/>
+                    </a:lnT>
+                    <a:lnB w="6350" cap="flat" cmpd="sng" algn="ctr">
+                      <a:solidFill>
+                        <a:schemeClr val="bg1">
+                          <a:lumMod val="75000"/>
+                        </a:schemeClr>
+                      </a:solidFill>
+                      <a:prstDash val="solid"/>
+                      <a:round/>
+                      <a:headEnd type="none" w="med" len="med"/>
+                      <a:tailEnd type="none" w="med" len="med"/>
+                    </a:lnB>
+                    <a:solidFill>
+                      <a:srgbClr val="F0F0F0"/>
+                    </a:solidFill>
+                  </a:tcPr>
+                </a:tc>
+                <a:extLst>
+                  <a:ext uri="{0D108BD9-81ED-4DB2-BD59-A6C34878D82A}">
+                    <a16:rowId xmlns:a16="http://schemas.microsoft.com/office/drawing/2014/main" val="10000"/>
+                  </a:ext>
+                </a:extLst>
+              </a:tr>
+              <a:tr h="177030">
+                <a:tc>
+                  <a:txBody>
+                    <a:bodyPr/>
+                    <a:lstStyle/>
+                    <a:p>
+                      <a:pPr algn="ctr" fontAlgn="t"/>
+                      <a:endParaRPr lang="ko-KR" altLang="en-US" sz="1000" b="1" dirty="0">
+                        <a:solidFill>
+                          <a:schemeClr val="tx1"/>
+                        </a:solidFill>
+                        <a:effectLst/>
+                        <a:latin typeface="Tahoma" panose="020B0604030504040204" pitchFamily="34" charset="0"/>
+                      </a:endParaRPr>
+                    </a:p>
+                  </a:txBody>
+                  <a:tcPr marL="59516" marR="59516" marT="41661" marB="41661" anchor="ctr">
+                    <a:lnL w="6350" cap="flat" cmpd="sng" algn="ctr">
+                      <a:solidFill>
+                        <a:schemeClr val="bg1">
+                          <a:lumMod val="75000"/>
+                        </a:schemeClr>
+                      </a:solidFill>
+                      <a:prstDash val="solid"/>
+                      <a:round/>
+                      <a:headEnd type="none" w="med" len="med"/>
+                      <a:tailEnd type="none" w="med" len="med"/>
+                    </a:lnL>
+                    <a:lnR w="6350" cap="flat" cmpd="sng" algn="ctr">
+                      <a:solidFill>
+                        <a:schemeClr val="bg1">
+                          <a:lumMod val="75000"/>
+                        </a:schemeClr>
+                      </a:solidFill>
+                      <a:prstDash val="solid"/>
+                      <a:round/>
+                      <a:headEnd type="none" w="med" len="med"/>
+                      <a:tailEnd type="none" w="med" len="med"/>
+                    </a:lnR>
+                    <a:lnT w="6350" cap="flat" cmpd="sng" algn="ctr">
+                      <a:solidFill>
+                        <a:schemeClr val="bg1">
+                          <a:lumMod val="75000"/>
+                        </a:schemeClr>
+                      </a:solidFill>
+                      <a:prstDash val="solid"/>
+                      <a:round/>
+                      <a:headEnd type="none" w="med" len="med"/>
+                      <a:tailEnd type="none" w="med" len="med"/>
+                    </a:lnT>
+                    <a:lnB w="6350" cap="flat" cmpd="sng" algn="ctr">
+                      <a:solidFill>
+                        <a:schemeClr val="bg1">
+                          <a:lumMod val="75000"/>
+                        </a:schemeClr>
+                      </a:solidFill>
+                      <a:prstDash val="solid"/>
+                      <a:round/>
+                      <a:headEnd type="none" w="med" len="med"/>
+                      <a:tailEnd type="none" w="med" len="med"/>
+                    </a:lnB>
+                    <a:solidFill>
+                      <a:schemeClr val="bg1">
+                        <a:lumMod val="95000"/>
+                      </a:schemeClr>
+                    </a:solidFill>
+                  </a:tcPr>
+                </a:tc>
+                <a:tc>
+                  <a:txBody>
+                    <a:bodyPr/>
+                    <a:lstStyle/>
+                    <a:p>
+                      <a:pPr marL="0" marR="0" lvl="0" indent="0" algn="l" defTabSz="914400" rtl="0" eaLnBrk="1" fontAlgn="auto" latinLnBrk="1" hangingPunct="1">
+                        <a:lnSpc>
+                          <a:spcPct val="100000"/>
+                        </a:lnSpc>
+                        <a:spcBef>
+                          <a:spcPts val="0"/>
+                        </a:spcBef>
+                        <a:spcAft>
+                          <a:spcPts val="0"/>
+                        </a:spcAft>
+                        <a:buClrTx/>
+                        <a:buSzTx/>
+                        <a:buFontTx/>
+                        <a:buNone/>
+                        <a:tabLst/>
+                        <a:defRPr/>
+                      </a:pPr>
+                      <a:endParaRPr lang="en-US" altLang="ko-KR" sz="1000" b="1" baseline="0" dirty="0">
+                        <a:solidFill>
+                          <a:schemeClr val="tx1"/>
+                        </a:solidFill>
+                      </a:endParaRPr>
+                    </a:p>
+                    <a:p>
+                      <a:pPr marL="0" marR="0" lvl="0" indent="0" algn="l" defTabSz="914400" rtl="0" eaLnBrk="1" fontAlgn="auto" latinLnBrk="1" hangingPunct="1">
+                        <a:lnSpc>
+                          <a:spcPct val="100000"/>
+                        </a:lnSpc>
+                        <a:spcBef>
+                          <a:spcPts val="0"/>
+                        </a:spcBef>
+                        <a:spcAft>
+                          <a:spcPts val="0"/>
+                        </a:spcAft>
+                        <a:buClrTx/>
+                        <a:buSzTx/>
+                        <a:buFontTx/>
+                        <a:buNone/>
+                        <a:tabLst/>
+                        <a:defRPr/>
+                      </a:pPr>
+                      <a:endParaRPr lang="en-US" altLang="ko-KR" sz="1000" b="1" baseline="0" dirty="0">
+                        <a:solidFill>
+                          <a:schemeClr val="tx1"/>
+                        </a:solidFill>
+                      </a:endParaRPr>
+                    </a:p>
+                    <a:p>
+                      <a:pPr marL="0" marR="0" lvl="0" indent="0" algn="l" defTabSz="914400" rtl="0" eaLnBrk="1" fontAlgn="auto" latinLnBrk="1" hangingPunct="1">
+                        <a:lnSpc>
+                          <a:spcPct val="100000"/>
+                        </a:lnSpc>
+                        <a:spcBef>
+                          <a:spcPts val="0"/>
+                        </a:spcBef>
+                        <a:spcAft>
+                          <a:spcPts val="0"/>
+                        </a:spcAft>
+                        <a:buClrTx/>
+                        <a:buSzTx/>
+                        <a:buFontTx/>
+                        <a:buNone/>
+                        <a:tabLst/>
+                        <a:defRPr/>
+                      </a:pPr>
+                      <a:r>
+                        <a:rPr lang="ko-KR" altLang="en-US" sz="1000" b="1" baseline="0" dirty="0" err="1">
+                          <a:solidFill>
+                            <a:schemeClr val="tx1"/>
+                          </a:solidFill>
+                        </a:rPr>
+                        <a:t>선택형</a:t>
+                      </a:r>
+                      <a:r>
+                        <a:rPr lang="ko-KR" altLang="en-US" sz="1000" b="1" baseline="0" dirty="0">
+                          <a:solidFill>
+                            <a:schemeClr val="tx1"/>
+                          </a:solidFill>
+                        </a:rPr>
+                        <a:t> 옵션 </a:t>
+                      </a:r>
+                      <a:r>
+                        <a:rPr lang="en-US" altLang="ko-KR" sz="1000" b="1" baseline="0" dirty="0">
+                          <a:solidFill>
+                            <a:schemeClr val="tx1"/>
+                          </a:solidFill>
+                        </a:rPr>
+                        <a:t>1</a:t>
+                      </a:r>
+                      <a:r>
+                        <a:rPr lang="ko-KR" altLang="en-US" sz="1000" b="1" baseline="0" dirty="0">
+                          <a:solidFill>
+                            <a:schemeClr val="tx1"/>
+                          </a:solidFill>
+                        </a:rPr>
+                        <a:t>단계 선택 영역에 옵션 이미지 노출</a:t>
+                      </a:r>
+                      <a:endParaRPr lang="en-US" altLang="ko-KR" sz="1000" b="1" baseline="0" dirty="0">
+                        <a:solidFill>
+                          <a:schemeClr val="tx1"/>
+                        </a:solidFill>
+                      </a:endParaRPr>
+                    </a:p>
+                    <a:p>
+                      <a:pPr marL="0" marR="0" lvl="0" indent="0" algn="l" defTabSz="914400" rtl="0" eaLnBrk="1" fontAlgn="auto" latinLnBrk="1" hangingPunct="1">
+                        <a:lnSpc>
+                          <a:spcPct val="100000"/>
+                        </a:lnSpc>
+                        <a:spcBef>
+                          <a:spcPts val="0"/>
+                        </a:spcBef>
+                        <a:spcAft>
+                          <a:spcPts val="0"/>
+                        </a:spcAft>
+                        <a:buClrTx/>
+                        <a:buSzTx/>
+                        <a:buFontTx/>
+                        <a:buNone/>
+                        <a:tabLst/>
+                        <a:defRPr/>
+                      </a:pPr>
+                      <a:endParaRPr lang="en-US" altLang="ko-KR" sz="1000" b="1" baseline="0" dirty="0">
+                        <a:solidFill>
+                          <a:schemeClr val="tx1"/>
+                        </a:solidFill>
+                      </a:endParaRPr>
+                    </a:p>
+                    <a:p>
+                      <a:r>
+                        <a:rPr lang="en-US" altLang="ko-KR" sz="1000" dirty="0"/>
+                        <a:t>1. </a:t>
+                      </a:r>
+                      <a:r>
+                        <a:rPr lang="ko-KR" altLang="en-US" sz="1000" dirty="0" err="1"/>
+                        <a:t>선택형</a:t>
+                      </a:r>
+                      <a:r>
+                        <a:rPr lang="ko-KR" altLang="en-US" sz="1000" dirty="0"/>
+                        <a:t> 옵션 </a:t>
+                      </a:r>
+                      <a:r>
+                        <a:rPr lang="en-US" altLang="ko-KR" sz="1000" dirty="0"/>
+                        <a:t>1</a:t>
+                      </a:r>
+                      <a:r>
+                        <a:rPr lang="ko-KR" altLang="en-US" sz="1000" dirty="0"/>
+                        <a:t>단계 설정 상품의 경우</a:t>
+                      </a:r>
+                      <a:endParaRPr lang="en-US" altLang="ko-KR" sz="1000" dirty="0"/>
+                    </a:p>
+                    <a:p>
+                      <a:r>
+                        <a:rPr lang="en-US" altLang="ko-KR" sz="1000" dirty="0"/>
+                        <a:t>    - </a:t>
+                      </a:r>
+                      <a:r>
+                        <a:rPr lang="ko-KR" altLang="en-US" sz="1000" dirty="0"/>
+                        <a:t>각 옵션 이미지 노출</a:t>
+                      </a:r>
+                      <a:endParaRPr lang="en-US" altLang="ko-KR" sz="1000" dirty="0"/>
+                    </a:p>
+                    <a:p>
+                      <a:endParaRPr lang="en-US" altLang="ko-KR" sz="1000" dirty="0"/>
+                    </a:p>
+                    <a:p>
+                      <a:r>
+                        <a:rPr lang="en-US" altLang="ko-KR" sz="1000" dirty="0"/>
+                        <a:t>2. </a:t>
+                      </a:r>
+                      <a:r>
+                        <a:rPr lang="ko-KR" altLang="en-US" sz="1000" dirty="0" err="1"/>
+                        <a:t>선택형</a:t>
+                      </a:r>
+                      <a:r>
+                        <a:rPr lang="ko-KR" altLang="en-US" sz="1000" dirty="0"/>
+                        <a:t> 옵션 </a:t>
+                      </a:r>
+                      <a:r>
+                        <a:rPr lang="en-US" altLang="ko-KR" sz="1000" dirty="0"/>
+                        <a:t>2</a:t>
+                      </a:r>
+                      <a:r>
+                        <a:rPr lang="ko-KR" altLang="en-US" sz="1000" dirty="0"/>
+                        <a:t>단계 이상 설정 상품의 경우</a:t>
+                      </a:r>
+                      <a:endParaRPr lang="en-US" altLang="ko-KR" sz="1000" dirty="0"/>
+                    </a:p>
+                    <a:p>
+                      <a:r>
+                        <a:rPr lang="en-US" altLang="ko-KR" sz="1000" dirty="0"/>
+                        <a:t>    - </a:t>
+                      </a:r>
+                      <a:r>
+                        <a:rPr lang="ko-KR" altLang="en-US" sz="1000" dirty="0"/>
+                        <a:t>각 </a:t>
+                      </a:r>
+                      <a:r>
+                        <a:rPr lang="en-US" altLang="ko-KR" sz="1000" dirty="0"/>
+                        <a:t>1</a:t>
+                      </a:r>
+                      <a:r>
+                        <a:rPr lang="ko-KR" altLang="en-US" sz="1000" dirty="0"/>
+                        <a:t>단계 이하 옵션 이미지들 중 첫 번째 옵션 이미지 노출</a:t>
+                      </a:r>
+                      <a:endParaRPr lang="en-US" altLang="ko-KR" sz="1000" dirty="0"/>
+                    </a:p>
+                    <a:p>
+                      <a:pPr marL="0" marR="0" lvl="0" indent="0" algn="l" defTabSz="914400" rtl="0" eaLnBrk="1" fontAlgn="auto" latinLnBrk="1" hangingPunct="1">
+                        <a:lnSpc>
+                          <a:spcPct val="100000"/>
+                        </a:lnSpc>
+                        <a:spcBef>
+                          <a:spcPts val="0"/>
+                        </a:spcBef>
+                        <a:spcAft>
+                          <a:spcPts val="0"/>
+                        </a:spcAft>
+                        <a:buClrTx/>
+                        <a:buSzTx/>
+                        <a:buFontTx/>
+                        <a:buNone/>
+                        <a:tabLst/>
+                        <a:defRPr/>
+                      </a:pPr>
+                      <a:endParaRPr lang="en-US" altLang="ko-KR" sz="1000" b="0" baseline="0" dirty="0">
+                        <a:solidFill>
+                          <a:schemeClr val="tx1"/>
+                        </a:solidFill>
+                      </a:endParaRPr>
+                    </a:p>
+                  </a:txBody>
+                  <a:tcPr marL="59516" marR="59516" marT="41661" marB="41661">
+                    <a:lnL w="6350" cap="flat" cmpd="sng" algn="ctr">
+                      <a:solidFill>
+                        <a:schemeClr val="bg1">
+                          <a:lumMod val="75000"/>
+                        </a:schemeClr>
+                      </a:solidFill>
+                      <a:prstDash val="solid"/>
+                      <a:round/>
+                      <a:headEnd type="none" w="med" len="med"/>
+                      <a:tailEnd type="none" w="med" len="med"/>
+                    </a:lnL>
+                    <a:lnR w="6350" cap="flat" cmpd="sng" algn="ctr">
+                      <a:solidFill>
+                        <a:schemeClr val="bg1">
+                          <a:lumMod val="75000"/>
+                        </a:schemeClr>
+                      </a:solidFill>
+                      <a:prstDash val="solid"/>
+                      <a:round/>
+                      <a:headEnd type="none" w="med" len="med"/>
+                      <a:tailEnd type="none" w="med" len="med"/>
+                    </a:lnR>
+                    <a:lnT w="6350" cap="flat" cmpd="sng" algn="ctr">
+                      <a:solidFill>
+                        <a:schemeClr val="bg1">
+                          <a:lumMod val="75000"/>
+                        </a:schemeClr>
+                      </a:solidFill>
+                      <a:prstDash val="solid"/>
+                      <a:round/>
+                      <a:headEnd type="none" w="med" len="med"/>
+                      <a:tailEnd type="none" w="med" len="med"/>
+                    </a:lnT>
+                    <a:lnB w="6350" cap="flat" cmpd="sng" algn="ctr">
+                      <a:solidFill>
+                        <a:schemeClr val="bg1">
+                          <a:lumMod val="75000"/>
+                        </a:schemeClr>
+                      </a:solidFill>
+                      <a:prstDash val="solid"/>
+                      <a:round/>
+                      <a:headEnd type="none" w="med" len="med"/>
+                      <a:tailEnd type="none" w="med" len="med"/>
+                    </a:lnB>
+                    <a:solidFill>
+                      <a:srgbClr val="FFFFFF"/>
+                    </a:solidFill>
+                  </a:tcPr>
+                </a:tc>
+                <a:extLst>
+                  <a:ext uri="{0D108BD9-81ED-4DB2-BD59-A6C34878D82A}">
+                    <a16:rowId xmlns:a16="http://schemas.microsoft.com/office/drawing/2014/main" val="2312729950"/>
+                  </a:ext>
+                </a:extLst>
+              </a:tr>
+              <a:tr h="177030">
+                <a:tc>
+                  <a:txBody>
+                    <a:bodyPr/>
+                    <a:lstStyle/>
+                    <a:p>
+                      <a:pPr algn="ctr" fontAlgn="t"/>
+                      <a:endParaRPr lang="ko-KR" altLang="en-US" sz="1000" b="1" dirty="0">
+                        <a:solidFill>
+                          <a:schemeClr val="tx1"/>
+                        </a:solidFill>
+                        <a:effectLst/>
+                        <a:latin typeface="Tahoma" panose="020B0604030504040204" pitchFamily="34" charset="0"/>
+                      </a:endParaRPr>
+                    </a:p>
+                  </a:txBody>
+                  <a:tcPr marL="59516" marR="59516" marT="41661" marB="41661" anchor="ctr">
+                    <a:lnL w="6350" cap="flat" cmpd="sng" algn="ctr">
+                      <a:solidFill>
+                        <a:schemeClr val="bg1">
+                          <a:lumMod val="75000"/>
+                        </a:schemeClr>
+                      </a:solidFill>
+                      <a:prstDash val="solid"/>
+                      <a:round/>
+                      <a:headEnd type="none" w="med" len="med"/>
+                      <a:tailEnd type="none" w="med" len="med"/>
+                    </a:lnL>
+                    <a:lnR w="6350" cap="flat" cmpd="sng" algn="ctr">
+                      <a:solidFill>
+                        <a:schemeClr val="bg1">
+                          <a:lumMod val="75000"/>
+                        </a:schemeClr>
+                      </a:solidFill>
+                      <a:prstDash val="solid"/>
+                      <a:round/>
+                      <a:headEnd type="none" w="med" len="med"/>
+                      <a:tailEnd type="none" w="med" len="med"/>
+                    </a:lnR>
+                    <a:lnT w="6350" cap="flat" cmpd="sng" algn="ctr">
+                      <a:solidFill>
+                        <a:schemeClr val="bg1">
+                          <a:lumMod val="75000"/>
+                        </a:schemeClr>
+                      </a:solidFill>
+                      <a:prstDash val="solid"/>
+                      <a:round/>
+                      <a:headEnd type="none" w="med" len="med"/>
+                      <a:tailEnd type="none" w="med" len="med"/>
+                    </a:lnT>
+                    <a:lnB w="6350" cap="flat" cmpd="sng" algn="ctr">
+                      <a:solidFill>
+                        <a:schemeClr val="bg1">
+                          <a:lumMod val="75000"/>
+                        </a:schemeClr>
+                      </a:solidFill>
+                      <a:prstDash val="solid"/>
+                      <a:round/>
+                      <a:headEnd type="none" w="med" len="med"/>
+                      <a:tailEnd type="none" w="med" len="med"/>
+                    </a:lnB>
+                    <a:solidFill>
+                      <a:schemeClr val="bg1">
+                        <a:lumMod val="95000"/>
+                      </a:schemeClr>
+                    </a:solidFill>
+                  </a:tcPr>
+                </a:tc>
+                <a:tc>
+                  <a:txBody>
+                    <a:bodyPr/>
+                    <a:lstStyle/>
+                    <a:p>
+                      <a:pPr marL="0" marR="0" lvl="0" indent="0" algn="l" defTabSz="914400" rtl="0" eaLnBrk="1" fontAlgn="auto" latinLnBrk="1" hangingPunct="1">
+                        <a:lnSpc>
+                          <a:spcPct val="100000"/>
+                        </a:lnSpc>
+                        <a:spcBef>
+                          <a:spcPts val="0"/>
+                        </a:spcBef>
+                        <a:spcAft>
+                          <a:spcPts val="0"/>
+                        </a:spcAft>
+                        <a:buClrTx/>
+                        <a:buSzTx/>
+                        <a:buFontTx/>
+                        <a:buNone/>
+                        <a:tabLst/>
+                        <a:defRPr/>
+                      </a:pPr>
+                      <a:endParaRPr lang="en-US" altLang="ko-KR" sz="1000" b="1" baseline="0" dirty="0">
+                        <a:solidFill>
+                          <a:schemeClr val="tx1"/>
+                        </a:solidFill>
+                      </a:endParaRPr>
+                    </a:p>
+                    <a:p>
+                      <a:pPr marL="0" marR="0" lvl="0" indent="0" algn="l" defTabSz="914400" rtl="0" eaLnBrk="1" fontAlgn="auto" latinLnBrk="1" hangingPunct="1">
+                        <a:lnSpc>
+                          <a:spcPct val="100000"/>
+                        </a:lnSpc>
+                        <a:spcBef>
+                          <a:spcPts val="0"/>
+                        </a:spcBef>
+                        <a:spcAft>
+                          <a:spcPts val="0"/>
+                        </a:spcAft>
+                        <a:buClrTx/>
+                        <a:buSzTx/>
+                        <a:buFontTx/>
+                        <a:buNone/>
+                        <a:tabLst/>
+                        <a:defRPr/>
+                      </a:pPr>
+                      <a:r>
+                        <a:rPr lang="ko-KR" altLang="en-US" sz="1000" b="1" baseline="0" dirty="0">
+                          <a:solidFill>
+                            <a:schemeClr val="tx1"/>
+                          </a:solidFill>
+                        </a:rPr>
+                        <a:t>등록된 옵션 이미지가 없는 경우</a:t>
+                      </a:r>
+                      <a:r>
+                        <a:rPr lang="en-US" altLang="ko-KR" sz="1000" b="1" baseline="0" dirty="0">
+                          <a:solidFill>
+                            <a:schemeClr val="tx1"/>
+                          </a:solidFill>
+                        </a:rPr>
+                        <a:t> </a:t>
+                      </a:r>
+                      <a:r>
+                        <a:rPr lang="ko-KR" altLang="en-US" sz="1000" b="1" baseline="0" dirty="0">
+                          <a:solidFill>
+                            <a:schemeClr val="tx1"/>
+                          </a:solidFill>
+                        </a:rPr>
+                        <a:t>기본 이미지 노출</a:t>
+                      </a:r>
+                      <a:endParaRPr lang="en-US" altLang="ko-KR" sz="1000" b="1" baseline="0" dirty="0">
+                        <a:solidFill>
+                          <a:schemeClr val="tx1"/>
+                        </a:solidFill>
+                      </a:endParaRPr>
+                    </a:p>
+                    <a:p>
+                      <a:pPr marL="0" marR="0" lvl="0" indent="0" algn="l" defTabSz="914400" rtl="0" eaLnBrk="1" fontAlgn="auto" latinLnBrk="1" hangingPunct="1">
+                        <a:lnSpc>
+                          <a:spcPct val="100000"/>
+                        </a:lnSpc>
+                        <a:spcBef>
+                          <a:spcPts val="0"/>
+                        </a:spcBef>
+                        <a:spcAft>
+                          <a:spcPts val="0"/>
+                        </a:spcAft>
+                        <a:buClrTx/>
+                        <a:buSzTx/>
+                        <a:buFontTx/>
+                        <a:buNone/>
+                        <a:tabLst/>
+                        <a:defRPr/>
+                      </a:pPr>
+                      <a:endParaRPr lang="en-US" altLang="ko-KR" sz="1000" b="1" baseline="0" dirty="0">
+                        <a:solidFill>
+                          <a:schemeClr val="tx1"/>
+                        </a:solidFill>
+                      </a:endParaRPr>
+                    </a:p>
+                  </a:txBody>
+                  <a:tcPr marL="59516" marR="59516" marT="41661" marB="41661">
+                    <a:lnL w="6350" cap="flat" cmpd="sng" algn="ctr">
+                      <a:solidFill>
+                        <a:schemeClr val="bg1">
+                          <a:lumMod val="75000"/>
+                        </a:schemeClr>
+                      </a:solidFill>
+                      <a:prstDash val="solid"/>
+                      <a:round/>
+                      <a:headEnd type="none" w="med" len="med"/>
+                      <a:tailEnd type="none" w="med" len="med"/>
+                    </a:lnL>
+                    <a:lnR w="6350" cap="flat" cmpd="sng" algn="ctr">
+                      <a:solidFill>
+                        <a:schemeClr val="bg1">
+                          <a:lumMod val="75000"/>
+                        </a:schemeClr>
+                      </a:solidFill>
+                      <a:prstDash val="solid"/>
+                      <a:round/>
+                      <a:headEnd type="none" w="med" len="med"/>
+                      <a:tailEnd type="none" w="med" len="med"/>
+                    </a:lnR>
+                    <a:lnT w="6350" cap="flat" cmpd="sng" algn="ctr">
+                      <a:solidFill>
+                        <a:schemeClr val="bg1">
+                          <a:lumMod val="75000"/>
+                        </a:schemeClr>
+                      </a:solidFill>
+                      <a:prstDash val="solid"/>
+                      <a:round/>
+                      <a:headEnd type="none" w="med" len="med"/>
+                      <a:tailEnd type="none" w="med" len="med"/>
+                    </a:lnT>
+                    <a:lnB w="6350" cap="flat" cmpd="sng" algn="ctr">
+                      <a:solidFill>
+                        <a:schemeClr val="bg1">
+                          <a:lumMod val="75000"/>
+                        </a:schemeClr>
+                      </a:solidFill>
+                      <a:prstDash val="solid"/>
+                      <a:round/>
+                      <a:headEnd type="none" w="med" len="med"/>
+                      <a:tailEnd type="none" w="med" len="med"/>
+                    </a:lnB>
+                    <a:solidFill>
+                      <a:srgbClr val="FFFFFF"/>
+                    </a:solidFill>
+                  </a:tcPr>
+                </a:tc>
+                <a:extLst>
+                  <a:ext uri="{0D108BD9-81ED-4DB2-BD59-A6C34878D82A}">
+                    <a16:rowId xmlns:a16="http://schemas.microsoft.com/office/drawing/2014/main" val="2985532421"/>
+                  </a:ext>
+                </a:extLst>
+              </a:tr>
+            </a:tbl>
+          </a:graphicData>
+        </a:graphic>
+      </p:graphicFrame>
+      <p:pic>
+        <p:nvPicPr>
+          <p:cNvPr id="63" name="그림 62"/>
+          <p:cNvPicPr>
+            <a:picLocks noChangeAspect="1"/>
+          </p:cNvPicPr>
+          <p:nvPr/>
+        </p:nvPicPr>
+        <p:blipFill rotWithShape="1">
+          <a:blip r:embed="rId6"/>
+          <a:srcRect l="2319" t="60474" r="2348" b="13265"/>
+          <a:stretch/>
+        </p:blipFill>
+        <p:spPr>
+          <a:xfrm>
+            <a:off x="2683211" y="3095625"/>
+            <a:ext cx="1917700" cy="930276"/>
+          </a:xfrm>
+          <a:prstGeom prst="rect">
+            <a:avLst/>
+          </a:prstGeom>
+        </p:spPr>
+      </p:pic>
+      <p:sp>
+        <p:nvSpPr>
+          <p:cNvPr id="10" name="직사각형 9"/>
+          <p:cNvSpPr/>
+          <p:nvPr/>
+        </p:nvSpPr>
+        <p:spPr>
+          <a:xfrm>
+            <a:off x="2769357" y="3173412"/>
+            <a:ext cx="234156" cy="234156"/>
+          </a:xfrm>
+          <a:prstGeom prst="rect">
+            <a:avLst/>
+          </a:prstGeom>
+          <a:pattFill prst="ltUpDiag">
+            <a:fgClr>
+              <a:schemeClr val="bg1">
+                <a:lumMod val="95000"/>
+              </a:schemeClr>
+            </a:fgClr>
+            <a:bgClr>
+              <a:schemeClr val="bg1"/>
+            </a:bgClr>
+          </a:pattFill>
+          <a:ln>
+            <a:solidFill>
+              <a:schemeClr val="bg1">
+                <a:lumMod val="85000"/>
+              </a:schemeClr>
+            </a:solidFill>
+          </a:ln>
+        </p:spPr>
+        <p:style>
+          <a:lnRef idx="2">
+            <a:schemeClr val="accent1">
+              <a:shade val="50000"/>
+            </a:schemeClr>
+          </a:lnRef>
+          <a:fillRef idx="1">
+            <a:schemeClr val="accent1"/>
+          </a:fillRef>
+          <a:effectRef idx="0">
+            <a:schemeClr val="accent1"/>
+          </a:effectRef>
+          <a:fontRef idx="minor">
+            <a:schemeClr val="lt1"/>
+          </a:fontRef>
+        </p:style>
+        <p:txBody>
+          <a:bodyPr rtlCol="0" anchor="ctr"/>
+          <a:lstStyle/>
+          <a:p>
+            <a:pPr algn="ctr"/>
+            <a:endParaRPr lang="ko-KR" altLang="en-US" sz="100" dirty="0">
+              <a:solidFill>
+                <a:schemeClr val="bg1">
+                  <a:lumMod val="50000"/>
+                </a:schemeClr>
+              </a:solidFill>
+              <a:latin typeface="+mn-ea"/>
+            </a:endParaRPr>
+          </a:p>
+        </p:txBody>
+      </p:sp>
+      <p:sp>
+        <p:nvSpPr>
+          <p:cNvPr id="11" name="정육면체 10"/>
+          <p:cNvSpPr/>
+          <p:nvPr/>
+        </p:nvSpPr>
+        <p:spPr>
+          <a:xfrm>
+            <a:off x="2805472" y="3209527"/>
+            <a:ext cx="161925" cy="161925"/>
+          </a:xfrm>
+          <a:prstGeom prst="cube">
+            <a:avLst/>
+          </a:prstGeom>
+          <a:solidFill>
+            <a:srgbClr val="FF0000"/>
+          </a:solidFill>
+          <a:ln>
+            <a:solidFill>
+              <a:schemeClr val="bg1">
+                <a:lumMod val="85000"/>
+              </a:schemeClr>
+            </a:solidFill>
+          </a:ln>
+        </p:spPr>
+        <p:style>
+          <a:lnRef idx="2">
+            <a:schemeClr val="accent1">
+              <a:shade val="50000"/>
+            </a:schemeClr>
+          </a:lnRef>
+          <a:fillRef idx="1">
+            <a:schemeClr val="accent1"/>
+          </a:fillRef>
+          <a:effectRef idx="0">
+            <a:schemeClr val="accent1"/>
+          </a:effectRef>
+          <a:fontRef idx="minor">
+            <a:schemeClr val="lt1"/>
+          </a:fontRef>
+        </p:style>
+        <p:txBody>
+          <a:bodyPr rtlCol="0" anchor="ctr"/>
+          <a:lstStyle/>
+          <a:p>
+            <a:pPr algn="ctr"/>
+            <a:endParaRPr lang="ko-KR" altLang="en-US" sz="1000" dirty="0">
+              <a:solidFill>
+                <a:schemeClr val="bg1">
+                  <a:lumMod val="50000"/>
+                </a:schemeClr>
+              </a:solidFill>
+              <a:latin typeface="+mn-ea"/>
+            </a:endParaRPr>
+          </a:p>
+        </p:txBody>
+      </p:sp>
+      <p:sp>
+        <p:nvSpPr>
+          <p:cNvPr id="68" name="직사각형 67"/>
+          <p:cNvSpPr/>
+          <p:nvPr/>
+        </p:nvSpPr>
+        <p:spPr>
+          <a:xfrm>
+            <a:off x="2769357" y="3517081"/>
+            <a:ext cx="234156" cy="234156"/>
+          </a:xfrm>
+          <a:prstGeom prst="rect">
+            <a:avLst/>
+          </a:prstGeom>
+          <a:pattFill prst="ltUpDiag">
+            <a:fgClr>
+              <a:schemeClr val="bg1">
+                <a:lumMod val="95000"/>
+              </a:schemeClr>
+            </a:fgClr>
+            <a:bgClr>
+              <a:schemeClr val="bg1"/>
+            </a:bgClr>
+          </a:pattFill>
+          <a:ln>
+            <a:solidFill>
+              <a:schemeClr val="bg1">
+                <a:lumMod val="85000"/>
+              </a:schemeClr>
+            </a:solidFill>
+          </a:ln>
+        </p:spPr>
+        <p:style>
+          <a:lnRef idx="2">
+            <a:schemeClr val="accent1">
+              <a:shade val="50000"/>
+            </a:schemeClr>
+          </a:lnRef>
+          <a:fillRef idx="1">
+            <a:schemeClr val="accent1"/>
+          </a:fillRef>
+          <a:effectRef idx="0">
+            <a:schemeClr val="accent1"/>
+          </a:effectRef>
+          <a:fontRef idx="minor">
+            <a:schemeClr val="lt1"/>
+          </a:fontRef>
+        </p:style>
+        <p:txBody>
+          <a:bodyPr rtlCol="0" anchor="ctr"/>
+          <a:lstStyle/>
+          <a:p>
+            <a:pPr algn="ctr"/>
+            <a:endParaRPr lang="ko-KR" altLang="en-US" sz="100" dirty="0">
+              <a:solidFill>
+                <a:schemeClr val="bg1">
+                  <a:lumMod val="50000"/>
+                </a:schemeClr>
+              </a:solidFill>
+              <a:latin typeface="+mn-ea"/>
+            </a:endParaRPr>
+          </a:p>
+        </p:txBody>
+      </p:sp>
+      <p:sp>
+        <p:nvSpPr>
+          <p:cNvPr id="69" name="정육면체 68"/>
+          <p:cNvSpPr/>
+          <p:nvPr/>
+        </p:nvSpPr>
+        <p:spPr>
+          <a:xfrm>
+            <a:off x="2805472" y="3553196"/>
+            <a:ext cx="161925" cy="161925"/>
+          </a:xfrm>
+          <a:prstGeom prst="cube">
+            <a:avLst/>
+          </a:prstGeom>
+          <a:solidFill>
+            <a:schemeClr val="accent1"/>
+          </a:solidFill>
+          <a:ln>
+            <a:solidFill>
+              <a:schemeClr val="bg1">
+                <a:lumMod val="85000"/>
+              </a:schemeClr>
+            </a:solidFill>
+          </a:ln>
+        </p:spPr>
+        <p:style>
+          <a:lnRef idx="2">
+            <a:schemeClr val="accent1">
+              <a:shade val="50000"/>
+            </a:schemeClr>
+          </a:lnRef>
+          <a:fillRef idx="1">
+            <a:schemeClr val="accent1"/>
+          </a:fillRef>
+          <a:effectRef idx="0">
+            <a:schemeClr val="accent1"/>
+          </a:effectRef>
+          <a:fontRef idx="minor">
+            <a:schemeClr val="lt1"/>
+          </a:fontRef>
+        </p:style>
+        <p:txBody>
+          <a:bodyPr rtlCol="0" anchor="ctr"/>
+          <a:lstStyle/>
+          <a:p>
+            <a:pPr algn="ctr"/>
+            <a:endParaRPr lang="ko-KR" altLang="en-US" sz="1000" dirty="0">
+              <a:solidFill>
+                <a:schemeClr val="bg1">
+                  <a:lumMod val="50000"/>
+                </a:schemeClr>
+              </a:solidFill>
+              <a:latin typeface="+mn-ea"/>
+            </a:endParaRPr>
+          </a:p>
+        </p:txBody>
+      </p:sp>
+      <p:grpSp>
+        <p:nvGrpSpPr>
+          <p:cNvPr id="90" name="그룹 89"/>
+          <p:cNvGrpSpPr/>
+          <p:nvPr/>
+        </p:nvGrpSpPr>
+        <p:grpSpPr>
+          <a:xfrm>
+            <a:off x="2594310" y="3771900"/>
+            <a:ext cx="2100263" cy="929868"/>
+            <a:chOff x="2781300" y="3771900"/>
+            <a:chExt cx="2100263" cy="929868"/>
+          </a:xfrm>
+        </p:grpSpPr>
+        <p:pic>
+          <p:nvPicPr>
+            <p:cNvPr id="97" name="그림 96"/>
+            <p:cNvPicPr>
+              <a:picLocks noChangeAspect="1"/>
+            </p:cNvPicPr>
+            <p:nvPr/>
+          </p:nvPicPr>
+          <p:blipFill rotWithShape="1">
+            <a:blip r:embed="rId6"/>
+            <a:srcRect l="-2101" t="69931" r="-2308" b="11515"/>
+            <a:stretch/>
+          </p:blipFill>
+          <p:spPr>
+            <a:xfrm>
+              <a:off x="2781300" y="3771900"/>
+              <a:ext cx="2100263" cy="657225"/>
+            </a:xfrm>
+            <a:prstGeom prst="rect">
+              <a:avLst/>
+            </a:prstGeom>
+          </p:spPr>
+        </p:pic>
+        <p:pic>
+          <p:nvPicPr>
+            <p:cNvPr id="98" name="그림 97"/>
+            <p:cNvPicPr>
+              <a:picLocks noChangeAspect="1"/>
+            </p:cNvPicPr>
+            <p:nvPr/>
+          </p:nvPicPr>
+          <p:blipFill rotWithShape="1">
+            <a:blip r:embed="rId6"/>
+            <a:srcRect l="-2101" t="85907" r="-2308" b="-1480"/>
+            <a:stretch/>
+          </p:blipFill>
+          <p:spPr>
+            <a:xfrm>
+              <a:off x="2781300" y="4150111"/>
+              <a:ext cx="2100263" cy="551657"/>
+            </a:xfrm>
+            <a:prstGeom prst="rect">
+              <a:avLst/>
+            </a:prstGeom>
+          </p:spPr>
+        </p:pic>
+      </p:grpSp>
+      <p:sp>
+        <p:nvSpPr>
+          <p:cNvPr id="99" name="직사각형 98"/>
+          <p:cNvSpPr/>
+          <p:nvPr/>
+        </p:nvSpPr>
+        <p:spPr>
+          <a:xfrm>
+            <a:off x="2769357" y="3853850"/>
+            <a:ext cx="234156" cy="234156"/>
+          </a:xfrm>
+          <a:prstGeom prst="rect">
+            <a:avLst/>
+          </a:prstGeom>
+          <a:pattFill prst="ltUpDiag">
+            <a:fgClr>
+              <a:schemeClr val="bg1">
+                <a:lumMod val="95000"/>
+              </a:schemeClr>
+            </a:fgClr>
+            <a:bgClr>
+              <a:schemeClr val="bg1"/>
+            </a:bgClr>
+          </a:pattFill>
+          <a:ln>
+            <a:solidFill>
+              <a:schemeClr val="bg1">
+                <a:lumMod val="85000"/>
+              </a:schemeClr>
+            </a:solidFill>
+          </a:ln>
+        </p:spPr>
+        <p:style>
+          <a:lnRef idx="2">
+            <a:schemeClr val="accent1">
+              <a:shade val="50000"/>
+            </a:schemeClr>
+          </a:lnRef>
+          <a:fillRef idx="1">
+            <a:schemeClr val="accent1"/>
+          </a:fillRef>
+          <a:effectRef idx="0">
+            <a:schemeClr val="accent1"/>
+          </a:effectRef>
+          <a:fontRef idx="minor">
+            <a:schemeClr val="lt1"/>
+          </a:fontRef>
+        </p:style>
+        <p:txBody>
+          <a:bodyPr rtlCol="0" anchor="ctr"/>
+          <a:lstStyle/>
+          <a:p>
+            <a:pPr algn="ctr"/>
+            <a:endParaRPr lang="ko-KR" altLang="en-US" sz="100" dirty="0">
+              <a:solidFill>
+                <a:schemeClr val="bg1">
+                  <a:lumMod val="50000"/>
+                </a:schemeClr>
+              </a:solidFill>
+              <a:latin typeface="+mn-ea"/>
+            </a:endParaRPr>
+          </a:p>
+        </p:txBody>
+      </p:sp>
+      <p:sp>
+        <p:nvSpPr>
+          <p:cNvPr id="100" name="정육면체 99"/>
+          <p:cNvSpPr/>
+          <p:nvPr/>
+        </p:nvSpPr>
+        <p:spPr>
+          <a:xfrm>
+            <a:off x="2805472" y="3889965"/>
+            <a:ext cx="161925" cy="161925"/>
+          </a:xfrm>
+          <a:prstGeom prst="cube">
+            <a:avLst/>
+          </a:prstGeom>
+          <a:solidFill>
+            <a:schemeClr val="accent6"/>
+          </a:solidFill>
+          <a:ln>
+            <a:solidFill>
+              <a:schemeClr val="bg1">
+                <a:lumMod val="85000"/>
+              </a:schemeClr>
+            </a:solidFill>
+          </a:ln>
+        </p:spPr>
+        <p:style>
+          <a:lnRef idx="2">
+            <a:schemeClr val="accent1">
+              <a:shade val="50000"/>
+            </a:schemeClr>
+          </a:lnRef>
+          <a:fillRef idx="1">
+            <a:schemeClr val="accent1"/>
+          </a:fillRef>
+          <a:effectRef idx="0">
+            <a:schemeClr val="accent1"/>
+          </a:effectRef>
+          <a:fontRef idx="minor">
+            <a:schemeClr val="lt1"/>
+          </a:fontRef>
+        </p:style>
+        <p:txBody>
+          <a:bodyPr rtlCol="0" anchor="ctr"/>
+          <a:lstStyle/>
+          <a:p>
+            <a:pPr algn="ctr"/>
+            <a:endParaRPr lang="ko-KR" altLang="en-US" sz="1000" dirty="0">
+              <a:solidFill>
+                <a:schemeClr val="bg1">
+                  <a:lumMod val="50000"/>
+                </a:schemeClr>
+              </a:solidFill>
+              <a:latin typeface="+mn-ea"/>
+            </a:endParaRPr>
+          </a:p>
+        </p:txBody>
+      </p:sp>
+      <p:sp>
+        <p:nvSpPr>
+          <p:cNvPr id="102" name="직사각형 101"/>
+          <p:cNvSpPr/>
+          <p:nvPr/>
+        </p:nvSpPr>
+        <p:spPr>
+          <a:xfrm>
+            <a:off x="3040564" y="3517081"/>
+            <a:ext cx="1068220" cy="234156"/>
+          </a:xfrm>
+          <a:prstGeom prst="rect">
+            <a:avLst/>
+          </a:prstGeom>
+          <a:solidFill>
+            <a:srgbClr val="F5F5F5"/>
+          </a:solidFill>
+          <a:ln>
+            <a:noFill/>
+          </a:ln>
+        </p:spPr>
+        <p:style>
+          <a:lnRef idx="2">
+            <a:schemeClr val="accent1">
+              <a:shade val="50000"/>
+            </a:schemeClr>
+          </a:lnRef>
+          <a:fillRef idx="1">
+            <a:schemeClr val="accent1"/>
+          </a:fillRef>
+          <a:effectRef idx="0">
+            <a:schemeClr val="accent1"/>
+          </a:effectRef>
+          <a:fontRef idx="minor">
+            <a:schemeClr val="lt1"/>
+          </a:fontRef>
+        </p:style>
+        <p:txBody>
+          <a:bodyPr rtlCol="0" anchor="ctr"/>
+          <a:lstStyle/>
+          <a:p>
+            <a:r>
+              <a:rPr lang="ko-KR" altLang="en-US" sz="600" dirty="0">
+                <a:solidFill>
+                  <a:schemeClr val="tx1"/>
+                </a:solidFill>
+                <a:latin typeface="+mn-ea"/>
+              </a:rPr>
+              <a:t>파랑</a:t>
+            </a:r>
+          </a:p>
+        </p:txBody>
+      </p:sp>
+      <p:sp>
+        <p:nvSpPr>
+          <p:cNvPr id="103" name="직사각형 102"/>
+          <p:cNvSpPr/>
+          <p:nvPr/>
+        </p:nvSpPr>
+        <p:spPr>
+          <a:xfrm>
+            <a:off x="3040564" y="3853849"/>
+            <a:ext cx="1068220" cy="234156"/>
+          </a:xfrm>
+          <a:prstGeom prst="rect">
+            <a:avLst/>
+          </a:prstGeom>
+          <a:solidFill>
+            <a:srgbClr val="F5F5F5"/>
+          </a:solidFill>
+          <a:ln>
+            <a:noFill/>
+          </a:ln>
+        </p:spPr>
+        <p:style>
+          <a:lnRef idx="2">
+            <a:schemeClr val="accent1">
+              <a:shade val="50000"/>
+            </a:schemeClr>
+          </a:lnRef>
+          <a:fillRef idx="1">
+            <a:schemeClr val="accent1"/>
+          </a:fillRef>
+          <a:effectRef idx="0">
+            <a:schemeClr val="accent1"/>
+          </a:effectRef>
+          <a:fontRef idx="minor">
+            <a:schemeClr val="lt1"/>
+          </a:fontRef>
+        </p:style>
+        <p:txBody>
+          <a:bodyPr rtlCol="0" anchor="ctr"/>
+          <a:lstStyle/>
+          <a:p>
+            <a:r>
+              <a:rPr lang="ko-KR" altLang="en-US" sz="600" dirty="0">
+                <a:solidFill>
+                  <a:schemeClr val="tx1"/>
+                </a:solidFill>
+                <a:latin typeface="+mn-ea"/>
+              </a:rPr>
+              <a:t>초록</a:t>
+            </a:r>
+          </a:p>
+        </p:txBody>
+      </p:sp>
+      <p:sp>
+        <p:nvSpPr>
+          <p:cNvPr id="104" name="직사각형 103"/>
+          <p:cNvSpPr/>
+          <p:nvPr/>
+        </p:nvSpPr>
+        <p:spPr>
+          <a:xfrm>
+            <a:off x="3040564" y="3173411"/>
+            <a:ext cx="1068220" cy="234156"/>
+          </a:xfrm>
+          <a:prstGeom prst="rect">
+            <a:avLst/>
+          </a:prstGeom>
+          <a:solidFill>
+            <a:srgbClr val="F5F5F5"/>
+          </a:solidFill>
+          <a:ln>
+            <a:noFill/>
+          </a:ln>
+        </p:spPr>
+        <p:style>
+          <a:lnRef idx="2">
+            <a:schemeClr val="accent1">
+              <a:shade val="50000"/>
+            </a:schemeClr>
+          </a:lnRef>
+          <a:fillRef idx="1">
+            <a:schemeClr val="accent1"/>
+          </a:fillRef>
+          <a:effectRef idx="0">
+            <a:schemeClr val="accent1"/>
+          </a:effectRef>
+          <a:fontRef idx="minor">
+            <a:schemeClr val="lt1"/>
+          </a:fontRef>
+        </p:style>
+        <p:txBody>
+          <a:bodyPr rtlCol="0" anchor="ctr"/>
+          <a:lstStyle/>
+          <a:p>
+            <a:r>
+              <a:rPr lang="ko-KR" altLang="en-US" sz="600" dirty="0">
+                <a:solidFill>
+                  <a:schemeClr val="tx1"/>
+                </a:solidFill>
+                <a:latin typeface="+mn-ea"/>
+              </a:rPr>
+              <a:t>빨강</a:t>
+            </a:r>
+          </a:p>
+        </p:txBody>
+      </p:sp>
+      <p:sp>
+        <p:nvSpPr>
+          <p:cNvPr id="27" name="타원 26"/>
+          <p:cNvSpPr/>
+          <p:nvPr/>
+        </p:nvSpPr>
+        <p:spPr>
+          <a:xfrm>
+            <a:off x="4145835" y="3159140"/>
+            <a:ext cx="248428" cy="248428"/>
+          </a:xfrm>
+          <a:prstGeom prst="ellipse">
+            <a:avLst/>
+          </a:prstGeom>
+          <a:solidFill>
+            <a:schemeClr val="bg2">
+              <a:lumMod val="90000"/>
+              <a:alpha val="69804"/>
+            </a:schemeClr>
+          </a:solidFill>
+          <a:ln>
+            <a:noFill/>
+          </a:ln>
+        </p:spPr>
+        <p:style>
+          <a:lnRef idx="2">
+            <a:schemeClr val="accent1">
+              <a:shade val="50000"/>
+            </a:schemeClr>
+          </a:lnRef>
+          <a:fillRef idx="1">
+            <a:schemeClr val="accent1"/>
+          </a:fillRef>
+          <a:effectRef idx="0">
+            <a:schemeClr val="accent1"/>
+          </a:effectRef>
+          <a:fontRef idx="minor">
+            <a:schemeClr val="lt1"/>
+          </a:fontRef>
+        </p:style>
+        <p:txBody>
+          <a:bodyPr rtlCol="0" anchor="ctr"/>
+          <a:lstStyle/>
+          <a:p>
+            <a:pPr algn="ctr"/>
+            <a:endParaRPr lang="ko-KR" altLang="en-US" sz="1000" dirty="0">
+              <a:solidFill>
+                <a:schemeClr val="bg1">
+                  <a:lumMod val="50000"/>
+                </a:schemeClr>
+              </a:solidFill>
+              <a:latin typeface="+mn-ea"/>
+            </a:endParaRPr>
+          </a:p>
+        </p:txBody>
+      </p:sp>
+      <p:pic>
+        <p:nvPicPr>
+          <p:cNvPr id="4" name="그림 3">
+            <a:extLst>
+              <a:ext uri="{FF2B5EF4-FFF2-40B4-BE49-F238E27FC236}">
+                <a16:creationId xmlns:a16="http://schemas.microsoft.com/office/drawing/2014/main" id="{9CB74536-7904-6543-95E2-E769AC8FA872}"/>
+              </a:ext>
+            </a:extLst>
+          </p:cNvPr>
+          <p:cNvPicPr>
+            <a:picLocks noChangeAspect="1"/>
+          </p:cNvPicPr>
+          <p:nvPr/>
+        </p:nvPicPr>
+        <p:blipFill>
+          <a:blip r:embed="rId7"/>
+          <a:stretch>
+            <a:fillRect/>
+          </a:stretch>
+        </p:blipFill>
+        <p:spPr>
+          <a:xfrm>
+            <a:off x="1965346" y="478164"/>
+            <a:ext cx="3416744" cy="2677189"/>
+          </a:xfrm>
+          <a:prstGeom prst="rect">
+            <a:avLst/>
+          </a:prstGeom>
+        </p:spPr>
+      </p:pic>
+    </p:spTree>
+    <p:extLst>
+      <p:ext uri="{BB962C8B-B14F-4D97-AF65-F5344CB8AC3E}">
+        <p14:creationId xmlns:p14="http://schemas.microsoft.com/office/powerpoint/2010/main" val="2185883536"/>
+      </p:ext>
+    </p:extLst>
+  </p:cSld>
+  <p:clrMapOvr>
+    <a:masterClrMapping/>
+  </p:clrMapOvr>
+</p:sld>
+</file>
+
+<file path=ppt/slides/slide5.xml><?xml version="1.0" encoding="utf-8"?>
 <p:sld xmlns:a="http://schemas.openxmlformats.org/drawingml/2006/main" xmlns:r="http://schemas.openxmlformats.org/officeDocument/2006/relationships" xmlns:p="http://schemas.openxmlformats.org/presentationml/2006/main">
   <p:cSld>
     <p:spTree>
@@ -7205,18 +8938,13 @@
           <a:lstStyle/>
           <a:p>
             <a:r>
-              <a:rPr kumimoji="1" lang="en-US" altLang="ko-KR" dirty="0" smtClean="0"/>
+              <a:rPr kumimoji="1" lang="en-US" altLang="ko-KR" dirty="0"/>
               <a:t>MOBILE </a:t>
             </a:r>
             <a:r>
               <a:rPr kumimoji="1" lang="ko-KR" altLang="en-US" dirty="0"/>
-              <a:t>딜</a:t>
+              <a:t>딜 상세</a:t>
             </a:r>
-            <a:r>
-              <a:rPr kumimoji="1" lang="ko-KR" altLang="en-US" dirty="0" smtClean="0"/>
-              <a:t> 상세</a:t>
-            </a:r>
-            <a:endParaRPr kumimoji="1" lang="ko-KR" altLang="en-US" dirty="0"/>
           </a:p>
         </p:txBody>
       </p:sp>
@@ -7265,7 +8993,7 @@
           <a:lstStyle/>
           <a:p>
             <a:pPr algn="ctr"/>
-            <a:endParaRPr lang="ko-KR" altLang="en-US" sz="1000" dirty="0" smtClean="0">
+            <a:endParaRPr lang="ko-KR" altLang="en-US" sz="1000" dirty="0">
               <a:solidFill>
                 <a:schemeClr val="bg1">
                   <a:lumMod val="50000"/>
@@ -7321,7 +9049,7 @@
           <a:lstStyle/>
           <a:p>
             <a:pPr algn="ctr"/>
-            <a:endParaRPr lang="ko-KR" altLang="en-US" sz="1000" dirty="0" smtClean="0">
+            <a:endParaRPr lang="ko-KR" altLang="en-US" sz="1000" dirty="0">
               <a:solidFill>
                 <a:schemeClr val="bg1">
                   <a:lumMod val="50000"/>
@@ -7377,7 +9105,7 @@
           <a:lstStyle/>
           <a:p>
             <a:pPr algn="ctr"/>
-            <a:endParaRPr lang="ko-KR" altLang="en-US" sz="1000" dirty="0" smtClean="0">
+            <a:endParaRPr lang="ko-KR" altLang="en-US" sz="1000" dirty="0">
               <a:solidFill>
                 <a:schemeClr val="bg1">
                   <a:lumMod val="50000"/>
@@ -7433,7 +9161,7 @@
           <a:lstStyle/>
           <a:p>
             <a:pPr algn="ctr"/>
-            <a:endParaRPr lang="ko-KR" altLang="en-US" sz="1000" dirty="0" smtClean="0">
+            <a:endParaRPr lang="ko-KR" altLang="en-US" sz="1000" dirty="0">
               <a:solidFill>
                 <a:schemeClr val="bg1">
                   <a:lumMod val="50000"/>
@@ -7557,7 +9285,7 @@
                     <a:p>
                       <a:pPr algn="ctr" fontAlgn="t"/>
                       <a:r>
-                        <a:rPr lang="ko-KR" altLang="en-US" sz="1000" b="1" dirty="0" smtClean="0">
+                        <a:rPr lang="ko-KR" altLang="en-US" sz="1000" b="1" dirty="0">
                           <a:solidFill>
                             <a:srgbClr val="333333"/>
                           </a:solidFill>
@@ -7566,13 +9294,6 @@
                         </a:rPr>
                         <a:t>내용</a:t>
                       </a:r>
-                      <a:endParaRPr lang="ko-KR" altLang="en-US" sz="1000" b="1" dirty="0">
-                        <a:solidFill>
-                          <a:srgbClr val="333333"/>
-                        </a:solidFill>
-                        <a:effectLst/>
-                        <a:latin typeface="Tahoma" panose="020B0604030504040204" pitchFamily="34" charset="0"/>
-                      </a:endParaRPr>
                     </a:p>
                   </a:txBody>
                   <a:tcPr marL="59516" marR="59516" marT="41661" marB="41661">
@@ -7721,7 +9442,7 @@
                         <a:tabLst/>
                         <a:defRPr/>
                       </a:pPr>
-                      <a:endParaRPr lang="en-US" altLang="ko-KR" sz="1000" b="1" baseline="0" dirty="0" smtClean="0">
+                      <a:endParaRPr lang="en-US" altLang="ko-KR" sz="1000" b="1" baseline="0" dirty="0">
                         <a:solidFill>
                           <a:schemeClr val="tx1"/>
                         </a:solidFill>
@@ -7746,7 +9467,7 @@
                         <a:defRPr/>
                       </a:pPr>
                       <a:r>
-                        <a:rPr lang="en-US" altLang="ko-KR" sz="1000" b="1" baseline="0" dirty="0" smtClean="0">
+                        <a:rPr lang="en-US" altLang="ko-KR" sz="1000" b="1" baseline="0" dirty="0">
                           <a:solidFill>
                             <a:schemeClr val="tx1"/>
                           </a:solidFill>
@@ -7754,14 +9475,14 @@
                         <a:t>3</a:t>
                       </a:r>
                       <a:r>
-                        <a:rPr lang="ko-KR" altLang="en-US" sz="1000" b="1" baseline="0" dirty="0" smtClean="0">
+                        <a:rPr lang="ko-KR" altLang="en-US" sz="1000" b="1" baseline="0" dirty="0">
                           <a:solidFill>
                             <a:schemeClr val="tx1"/>
                           </a:solidFill>
                         </a:rPr>
                         <a:t>페이지와 동일</a:t>
                       </a:r>
-                      <a:endParaRPr lang="en-US" altLang="ko-KR" sz="1000" b="1" baseline="0" dirty="0" smtClean="0">
+                      <a:endParaRPr lang="en-US" altLang="ko-KR" sz="1000" b="1" baseline="0" dirty="0">
                         <a:solidFill>
                           <a:schemeClr val="tx1"/>
                         </a:solidFill>
@@ -7785,7 +9506,7 @@
                         <a:tabLst/>
                         <a:defRPr/>
                       </a:pPr>
-                      <a:endParaRPr lang="en-US" altLang="ko-KR" sz="1000" b="1" baseline="0" dirty="0" smtClean="0">
+                      <a:endParaRPr lang="en-US" altLang="ko-KR" sz="1000" b="1" baseline="0" dirty="0">
                         <a:solidFill>
                           <a:schemeClr val="tx1"/>
                         </a:solidFill>
@@ -7952,7 +9673,7 @@
           <a:lstStyle/>
           <a:p>
             <a:pPr algn="ctr"/>
-            <a:endParaRPr lang="ko-KR" altLang="en-US" sz="100" dirty="0" smtClean="0">
+            <a:endParaRPr lang="ko-KR" altLang="en-US" sz="100" dirty="0">
               <a:solidFill>
                 <a:schemeClr val="bg1">
                   <a:lumMod val="50000"/>
@@ -8009,7 +9730,7 @@
           <a:lstStyle/>
           <a:p>
             <a:pPr algn="ctr"/>
-            <a:endParaRPr lang="ko-KR" altLang="en-US" sz="1000" dirty="0" smtClean="0">
+            <a:endParaRPr lang="ko-KR" altLang="en-US" sz="1000" dirty="0">
               <a:solidFill>
                 <a:schemeClr val="bg1">
                   <a:lumMod val="50000"/>
@@ -8073,7 +9794,7 @@
           <a:lstStyle/>
           <a:p>
             <a:pPr algn="ctr"/>
-            <a:endParaRPr lang="ko-KR" altLang="en-US" sz="100" dirty="0" smtClean="0">
+            <a:endParaRPr lang="ko-KR" altLang="en-US" sz="100" dirty="0">
               <a:solidFill>
                 <a:schemeClr val="bg1">
                   <a:lumMod val="50000"/>
@@ -8130,7 +9851,7 @@
           <a:lstStyle/>
           <a:p>
             <a:pPr algn="ctr"/>
-            <a:endParaRPr lang="ko-KR" altLang="en-US" sz="1000" dirty="0" smtClean="0">
+            <a:endParaRPr lang="ko-KR" altLang="en-US" sz="1000" dirty="0">
               <a:solidFill>
                 <a:schemeClr val="bg1">
                   <a:lumMod val="50000"/>
@@ -8255,7 +9976,7 @@
           <a:lstStyle/>
           <a:p>
             <a:pPr algn="ctr"/>
-            <a:endParaRPr lang="ko-KR" altLang="en-US" sz="100" dirty="0" smtClean="0">
+            <a:endParaRPr lang="ko-KR" altLang="en-US" sz="100" dirty="0">
               <a:solidFill>
                 <a:schemeClr val="bg1">
                   <a:lumMod val="50000"/>
@@ -8312,7 +10033,7 @@
           <a:lstStyle/>
           <a:p>
             <a:pPr algn="ctr"/>
-            <a:endParaRPr lang="ko-KR" altLang="en-US" sz="1000" dirty="0" smtClean="0">
+            <a:endParaRPr lang="ko-KR" altLang="en-US" sz="1000" dirty="0">
               <a:solidFill>
                 <a:schemeClr val="bg1">
                   <a:lumMod val="50000"/>
@@ -8365,7 +10086,7 @@
           <a:lstStyle/>
           <a:p>
             <a:r>
-              <a:rPr lang="ko-KR" altLang="en-US" sz="600" dirty="0" smtClean="0">
+              <a:rPr lang="ko-KR" altLang="en-US" sz="600" dirty="0">
                 <a:solidFill>
                   <a:schemeClr val="tx1"/>
                 </a:solidFill>
@@ -8373,12 +10094,6 @@
               </a:rPr>
               <a:t>파랑</a:t>
             </a:r>
-            <a:endParaRPr lang="ko-KR" altLang="en-US" sz="600" dirty="0" smtClean="0">
-              <a:solidFill>
-                <a:schemeClr val="tx1"/>
-              </a:solidFill>
-              <a:latin typeface="+mn-ea"/>
-            </a:endParaRPr>
           </a:p>
         </p:txBody>
       </p:sp>
@@ -8424,7 +10139,7 @@
           <a:lstStyle/>
           <a:p>
             <a:r>
-              <a:rPr lang="ko-KR" altLang="en-US" sz="600" dirty="0" smtClean="0">
+              <a:rPr lang="ko-KR" altLang="en-US" sz="600" dirty="0">
                 <a:solidFill>
                   <a:schemeClr val="tx1"/>
                 </a:solidFill>
@@ -8432,12 +10147,6 @@
               </a:rPr>
               <a:t>초록</a:t>
             </a:r>
-            <a:endParaRPr lang="ko-KR" altLang="en-US" sz="600" dirty="0" smtClean="0">
-              <a:solidFill>
-                <a:schemeClr val="tx1"/>
-              </a:solidFill>
-              <a:latin typeface="+mn-ea"/>
-            </a:endParaRPr>
           </a:p>
         </p:txBody>
       </p:sp>
@@ -8483,7 +10192,7 @@
           <a:lstStyle/>
           <a:p>
             <a:r>
-              <a:rPr lang="ko-KR" altLang="en-US" sz="600" dirty="0" smtClean="0">
+              <a:rPr lang="ko-KR" altLang="en-US" sz="600" dirty="0">
                 <a:solidFill>
                   <a:schemeClr val="tx1"/>
                 </a:solidFill>
@@ -8491,12 +10200,6 @@
               </a:rPr>
               <a:t>빨강</a:t>
             </a:r>
-            <a:endParaRPr lang="ko-KR" altLang="en-US" sz="600" dirty="0" smtClean="0">
-              <a:solidFill>
-                <a:schemeClr val="tx1"/>
-              </a:solidFill>
-              <a:latin typeface="+mn-ea"/>
-            </a:endParaRPr>
           </a:p>
         </p:txBody>
       </p:sp>
@@ -8545,7 +10248,7 @@
           <a:lstStyle/>
           <a:p>
             <a:pPr algn="ctr"/>
-            <a:endParaRPr lang="ko-KR" altLang="en-US" sz="1000" dirty="0" smtClean="0">
+            <a:endParaRPr lang="ko-KR" altLang="en-US" sz="1000" dirty="0">
               <a:solidFill>
                 <a:schemeClr val="bg1">
                   <a:lumMod val="50000"/>
@@ -8601,7 +10304,7 @@
           <a:lstStyle/>
           <a:p>
             <a:pPr algn="ctr"/>
-            <a:endParaRPr lang="ko-KR" altLang="en-US" sz="1000" dirty="0" smtClean="0">
+            <a:endParaRPr lang="ko-KR" altLang="en-US" sz="1000" dirty="0">
               <a:solidFill>
                 <a:schemeClr val="bg1">
                   <a:lumMod val="50000"/>
@@ -8622,17 +10325,10 @@
   <p:clrMapOvr>
     <a:masterClrMapping/>
   </p:clrMapOvr>
-  <p:timing>
-    <p:tnLst>
-      <p:par>
-        <p:cTn id="1" dur="indefinite" restart="never" nodeType="tmRoot"/>
-      </p:par>
-    </p:tnLst>
-  </p:timing>
 </p:sld>
 </file>
 
-<file path=ppt/slides/slide5.xml><?xml version="1.0" encoding="utf-8"?>
+<file path=ppt/slides/slide6.xml><?xml version="1.0" encoding="utf-8"?>
 <p:sld xmlns:a="http://schemas.openxmlformats.org/drawingml/2006/main" xmlns:r="http://schemas.openxmlformats.org/officeDocument/2006/relationships" xmlns:p="http://schemas.openxmlformats.org/presentationml/2006/main">
   <p:cSld>
     <p:spTree>
@@ -8671,14 +10367,13 @@
           <a:lstStyle/>
           <a:p>
             <a:r>
-              <a:rPr kumimoji="1" lang="en-US" altLang="ko-KR" dirty="0" smtClean="0"/>
+              <a:rPr kumimoji="1" lang="en-US" altLang="ko-KR" dirty="0"/>
               <a:t>PC </a:t>
             </a:r>
             <a:r>
-              <a:rPr kumimoji="1" lang="ko-KR" altLang="en-US" dirty="0" smtClean="0"/>
+              <a:rPr kumimoji="1" lang="ko-KR" altLang="en-US" dirty="0"/>
               <a:t>상품 상세</a:t>
             </a:r>
-            <a:endParaRPr kumimoji="1" lang="ko-KR" altLang="en-US" dirty="0"/>
           </a:p>
         </p:txBody>
       </p:sp>
@@ -8795,7 +10490,7 @@
                     <a:p>
                       <a:pPr algn="ctr" fontAlgn="t"/>
                       <a:r>
-                        <a:rPr lang="ko-KR" altLang="en-US" sz="1000" b="1" dirty="0" smtClean="0">
+                        <a:rPr lang="ko-KR" altLang="en-US" sz="1000" b="1" dirty="0">
                           <a:solidFill>
                             <a:srgbClr val="333333"/>
                           </a:solidFill>
@@ -8804,13 +10499,6 @@
                         </a:rPr>
                         <a:t>내용</a:t>
                       </a:r>
-                      <a:endParaRPr lang="ko-KR" altLang="en-US" sz="1000" b="1" dirty="0">
-                        <a:solidFill>
-                          <a:srgbClr val="333333"/>
-                        </a:solidFill>
-                        <a:effectLst/>
-                        <a:latin typeface="Tahoma" panose="020B0604030504040204" pitchFamily="34" charset="0"/>
-                      </a:endParaRPr>
                     </a:p>
                   </a:txBody>
                   <a:tcPr marL="59516" marR="59516" marT="41661" marB="41661">
@@ -8959,7 +10647,7 @@
                         <a:tabLst/>
                         <a:defRPr/>
                       </a:pPr>
-                      <a:endParaRPr lang="en-US" altLang="ko-KR" sz="1000" b="1" baseline="0" dirty="0" smtClean="0">
+                      <a:endParaRPr lang="en-US" altLang="ko-KR" sz="1000" b="1" baseline="0" dirty="0">
                         <a:solidFill>
                           <a:schemeClr val="tx1"/>
                         </a:solidFill>
@@ -8984,7 +10672,7 @@
                         <a:defRPr/>
                       </a:pPr>
                       <a:r>
-                        <a:rPr lang="en-US" altLang="ko-KR" sz="1000" b="1" baseline="0" dirty="0" smtClean="0">
+                        <a:rPr lang="en-US" altLang="ko-KR" sz="1000" b="1" baseline="0" dirty="0">
                           <a:solidFill>
                             <a:schemeClr val="tx1"/>
                           </a:solidFill>
@@ -8992,14 +10680,14 @@
                         <a:t>3</a:t>
                       </a:r>
                       <a:r>
-                        <a:rPr lang="ko-KR" altLang="en-US" sz="1000" b="1" baseline="0" dirty="0" smtClean="0">
+                        <a:rPr lang="ko-KR" altLang="en-US" sz="1000" b="1" baseline="0" dirty="0">
                           <a:solidFill>
                             <a:schemeClr val="tx1"/>
                           </a:solidFill>
                         </a:rPr>
                         <a:t>페이지와 동일</a:t>
                       </a:r>
-                      <a:endParaRPr lang="en-US" altLang="ko-KR" sz="1000" b="1" baseline="0" dirty="0" smtClean="0">
+                      <a:endParaRPr lang="en-US" altLang="ko-KR" sz="1000" b="1" baseline="0" dirty="0">
                         <a:solidFill>
                           <a:schemeClr val="tx1"/>
                         </a:solidFill>
@@ -9023,7 +10711,7 @@
                         <a:tabLst/>
                         <a:defRPr/>
                       </a:pPr>
-                      <a:endParaRPr lang="en-US" altLang="ko-KR" sz="1000" b="1" baseline="0" dirty="0" smtClean="0">
+                      <a:endParaRPr lang="en-US" altLang="ko-KR" sz="1000" b="1" baseline="0" dirty="0">
                         <a:solidFill>
                           <a:schemeClr val="tx1"/>
                         </a:solidFill>
@@ -9179,7 +10867,7 @@
           <a:lstStyle/>
           <a:p>
             <a:pPr algn="ctr"/>
-            <a:endParaRPr lang="ko-KR" altLang="en-US" sz="1000" dirty="0" smtClean="0">
+            <a:endParaRPr lang="ko-KR" altLang="en-US" sz="1000" dirty="0">
               <a:solidFill>
                 <a:schemeClr val="bg1">
                   <a:lumMod val="50000"/>
@@ -9257,7 +10945,7 @@
             <a:lstStyle/>
             <a:p>
               <a:pPr algn="ctr"/>
-              <a:endParaRPr lang="ko-KR" altLang="en-US" sz="200" dirty="0" smtClean="0">
+              <a:endParaRPr lang="ko-KR" altLang="en-US" sz="200" dirty="0">
                 <a:solidFill>
                   <a:schemeClr val="bg1">
                     <a:lumMod val="50000"/>
@@ -9314,7 +11002,7 @@
             <a:lstStyle/>
             <a:p>
               <a:pPr algn="ctr"/>
-              <a:endParaRPr lang="ko-KR" altLang="en-US" sz="1050" dirty="0" smtClean="0">
+              <a:endParaRPr lang="ko-KR" altLang="en-US" sz="1050" dirty="0">
                 <a:solidFill>
                   <a:schemeClr val="bg1">
                     <a:lumMod val="50000"/>
@@ -9378,7 +11066,7 @@
             <a:lstStyle/>
             <a:p>
               <a:pPr algn="ctr"/>
-              <a:endParaRPr lang="ko-KR" altLang="en-US" sz="200" dirty="0" smtClean="0">
+              <a:endParaRPr lang="ko-KR" altLang="en-US" sz="200" dirty="0">
                 <a:solidFill>
                   <a:schemeClr val="bg1">
                     <a:lumMod val="50000"/>
@@ -9435,7 +11123,7 @@
             <a:lstStyle/>
             <a:p>
               <a:pPr algn="ctr"/>
-              <a:endParaRPr lang="ko-KR" altLang="en-US" sz="1050" dirty="0" smtClean="0">
+              <a:endParaRPr lang="ko-KR" altLang="en-US" sz="1050" dirty="0">
                 <a:solidFill>
                   <a:schemeClr val="bg1">
                     <a:lumMod val="50000"/>
@@ -9499,7 +11187,7 @@
             <a:lstStyle/>
             <a:p>
               <a:pPr algn="ctr"/>
-              <a:endParaRPr lang="ko-KR" altLang="en-US" sz="200" dirty="0" smtClean="0">
+              <a:endParaRPr lang="ko-KR" altLang="en-US" sz="200" dirty="0">
                 <a:solidFill>
                   <a:schemeClr val="bg1">
                     <a:lumMod val="50000"/>
@@ -9556,7 +11244,7 @@
             <a:lstStyle/>
             <a:p>
               <a:pPr algn="ctr"/>
-              <a:endParaRPr lang="ko-KR" altLang="en-US" sz="1050" dirty="0" smtClean="0">
+              <a:endParaRPr lang="ko-KR" altLang="en-US" sz="1050" dirty="0">
                 <a:solidFill>
                   <a:schemeClr val="bg1">
                     <a:lumMod val="50000"/>
@@ -9607,7 +11295,7 @@
             <a:lstStyle/>
             <a:p>
               <a:r>
-                <a:rPr lang="ko-KR" altLang="en-US" sz="700" dirty="0" smtClean="0">
+                <a:rPr lang="ko-KR" altLang="en-US" sz="700" dirty="0">
                   <a:solidFill>
                     <a:schemeClr val="tx1"/>
                   </a:solidFill>
@@ -9615,12 +11303,6 @@
                 </a:rPr>
                 <a:t>파랑</a:t>
               </a:r>
-              <a:endParaRPr lang="ko-KR" altLang="en-US" sz="700" dirty="0" smtClean="0">
-                <a:solidFill>
-                  <a:schemeClr val="tx1"/>
-                </a:solidFill>
-                <a:latin typeface="+mn-ea"/>
-              </a:endParaRPr>
             </a:p>
           </p:txBody>
         </p:sp>
@@ -9664,7 +11346,7 @@
             <a:lstStyle/>
             <a:p>
               <a:r>
-                <a:rPr lang="ko-KR" altLang="en-US" sz="700" dirty="0" smtClean="0">
+                <a:rPr lang="ko-KR" altLang="en-US" sz="700" dirty="0">
                   <a:solidFill>
                     <a:schemeClr val="tx1"/>
                   </a:solidFill>
@@ -9672,12 +11354,6 @@
                 </a:rPr>
                 <a:t>초록</a:t>
               </a:r>
-              <a:endParaRPr lang="ko-KR" altLang="en-US" sz="700" dirty="0" smtClean="0">
-                <a:solidFill>
-                  <a:schemeClr val="tx1"/>
-                </a:solidFill>
-                <a:latin typeface="+mn-ea"/>
-              </a:endParaRPr>
             </a:p>
           </p:txBody>
         </p:sp>
@@ -9721,7 +11397,7 @@
             <a:lstStyle/>
             <a:p>
               <a:r>
-                <a:rPr lang="ko-KR" altLang="en-US" sz="700" dirty="0" smtClean="0">
+                <a:rPr lang="ko-KR" altLang="en-US" sz="700" dirty="0">
                   <a:solidFill>
                     <a:schemeClr val="tx1"/>
                   </a:solidFill>
@@ -9729,12 +11405,6 @@
                 </a:rPr>
                 <a:t>빨강</a:t>
               </a:r>
-              <a:endParaRPr lang="ko-KR" altLang="en-US" sz="700" dirty="0" smtClean="0">
-                <a:solidFill>
-                  <a:schemeClr val="tx1"/>
-                </a:solidFill>
-                <a:latin typeface="+mn-ea"/>
-              </a:endParaRPr>
             </a:p>
           </p:txBody>
         </p:sp>
@@ -9804,7 +11474,7 @@
           <a:lstStyle/>
           <a:p>
             <a:pPr algn="ctr"/>
-            <a:endParaRPr lang="ko-KR" altLang="en-US" sz="1000" dirty="0" smtClean="0">
+            <a:endParaRPr lang="ko-KR" altLang="en-US" sz="1000" dirty="0">
               <a:solidFill>
                 <a:schemeClr val="bg1">
                   <a:lumMod val="50000"/>
@@ -9882,7 +11552,7 @@
             <a:lstStyle/>
             <a:p>
               <a:pPr algn="ctr"/>
-              <a:endParaRPr lang="ko-KR" altLang="en-US" sz="200" dirty="0" smtClean="0">
+              <a:endParaRPr lang="ko-KR" altLang="en-US" sz="200" dirty="0">
                 <a:solidFill>
                   <a:schemeClr val="bg1">
                     <a:lumMod val="50000"/>
@@ -9939,7 +11609,7 @@
             <a:lstStyle/>
             <a:p>
               <a:pPr algn="ctr"/>
-              <a:endParaRPr lang="ko-KR" altLang="en-US" sz="1050" dirty="0" smtClean="0">
+              <a:endParaRPr lang="ko-KR" altLang="en-US" sz="1050" dirty="0">
                 <a:solidFill>
                   <a:schemeClr val="bg1">
                     <a:lumMod val="50000"/>
@@ -10003,7 +11673,7 @@
             <a:lstStyle/>
             <a:p>
               <a:pPr algn="ctr"/>
-              <a:endParaRPr lang="ko-KR" altLang="en-US" sz="200" dirty="0" smtClean="0">
+              <a:endParaRPr lang="ko-KR" altLang="en-US" sz="200" dirty="0">
                 <a:solidFill>
                   <a:schemeClr val="bg1">
                     <a:lumMod val="50000"/>
@@ -10060,7 +11730,7 @@
             <a:lstStyle/>
             <a:p>
               <a:pPr algn="ctr"/>
-              <a:endParaRPr lang="ko-KR" altLang="en-US" sz="1050" dirty="0" smtClean="0">
+              <a:endParaRPr lang="ko-KR" altLang="en-US" sz="1050" dirty="0">
                 <a:solidFill>
                   <a:schemeClr val="bg1">
                     <a:lumMod val="50000"/>
@@ -10124,7 +11794,7 @@
             <a:lstStyle/>
             <a:p>
               <a:pPr algn="ctr"/>
-              <a:endParaRPr lang="ko-KR" altLang="en-US" sz="200" dirty="0" smtClean="0">
+              <a:endParaRPr lang="ko-KR" altLang="en-US" sz="200" dirty="0">
                 <a:solidFill>
                   <a:schemeClr val="bg1">
                     <a:lumMod val="50000"/>
@@ -10181,7 +11851,7 @@
             <a:lstStyle/>
             <a:p>
               <a:pPr algn="ctr"/>
-              <a:endParaRPr lang="ko-KR" altLang="en-US" sz="1050" dirty="0" smtClean="0">
+              <a:endParaRPr lang="ko-KR" altLang="en-US" sz="1050" dirty="0">
                 <a:solidFill>
                   <a:schemeClr val="bg1">
                     <a:lumMod val="50000"/>
@@ -10232,7 +11902,7 @@
             <a:lstStyle/>
             <a:p>
               <a:r>
-                <a:rPr lang="ko-KR" altLang="en-US" sz="700" dirty="0" smtClean="0">
+                <a:rPr lang="ko-KR" altLang="en-US" sz="700" dirty="0">
                   <a:solidFill>
                     <a:schemeClr val="tx1"/>
                   </a:solidFill>
@@ -10240,12 +11910,6 @@
                 </a:rPr>
                 <a:t>파랑</a:t>
               </a:r>
-              <a:endParaRPr lang="ko-KR" altLang="en-US" sz="700" dirty="0" smtClean="0">
-                <a:solidFill>
-                  <a:schemeClr val="tx1"/>
-                </a:solidFill>
-                <a:latin typeface="+mn-ea"/>
-              </a:endParaRPr>
             </a:p>
           </p:txBody>
         </p:sp>
@@ -10289,7 +11953,7 @@
             <a:lstStyle/>
             <a:p>
               <a:r>
-                <a:rPr lang="ko-KR" altLang="en-US" sz="700" dirty="0" smtClean="0">
+                <a:rPr lang="ko-KR" altLang="en-US" sz="700" dirty="0">
                   <a:solidFill>
                     <a:schemeClr val="tx1"/>
                   </a:solidFill>
@@ -10297,12 +11961,6 @@
                 </a:rPr>
                 <a:t>초록</a:t>
               </a:r>
-              <a:endParaRPr lang="ko-KR" altLang="en-US" sz="700" dirty="0" smtClean="0">
-                <a:solidFill>
-                  <a:schemeClr val="tx1"/>
-                </a:solidFill>
-                <a:latin typeface="+mn-ea"/>
-              </a:endParaRPr>
             </a:p>
           </p:txBody>
         </p:sp>
@@ -10346,7 +12004,7 @@
             <a:lstStyle/>
             <a:p>
               <a:r>
-                <a:rPr lang="ko-KR" altLang="en-US" sz="700" dirty="0" smtClean="0">
+                <a:rPr lang="ko-KR" altLang="en-US" sz="700" dirty="0">
                   <a:solidFill>
                     <a:schemeClr val="tx1"/>
                   </a:solidFill>
@@ -10354,12 +12012,6 @@
                 </a:rPr>
                 <a:t>빨강</a:t>
               </a:r>
-              <a:endParaRPr lang="ko-KR" altLang="en-US" sz="700" dirty="0" smtClean="0">
-                <a:solidFill>
-                  <a:schemeClr val="tx1"/>
-                </a:solidFill>
-                <a:latin typeface="+mn-ea"/>
-              </a:endParaRPr>
             </a:p>
           </p:txBody>
         </p:sp>
@@ -10374,17 +12026,10 @@
   <p:clrMapOvr>
     <a:masterClrMapping/>
   </p:clrMapOvr>
-  <p:timing>
-    <p:tnLst>
-      <p:par>
-        <p:cTn id="1" dur="indefinite" restart="never" nodeType="tmRoot"/>
-      </p:par>
-    </p:tnLst>
-  </p:timing>
 </p:sld>
 </file>
 
-<file path=ppt/slides/slide6.xml><?xml version="1.0" encoding="utf-8"?>
+<file path=ppt/slides/slide7.xml><?xml version="1.0" encoding="utf-8"?>
 <p:sld xmlns:a="http://schemas.openxmlformats.org/drawingml/2006/main" xmlns:r="http://schemas.openxmlformats.org/officeDocument/2006/relationships" xmlns:p="http://schemas.openxmlformats.org/presentationml/2006/main">
   <p:cSld>
     <p:spTree>
@@ -10446,18 +12091,13 @@
           <a:lstStyle/>
           <a:p>
             <a:r>
-              <a:rPr kumimoji="1" lang="en-US" altLang="ko-KR" dirty="0" smtClean="0"/>
+              <a:rPr kumimoji="1" lang="en-US" altLang="ko-KR" dirty="0"/>
               <a:t>PC </a:t>
             </a:r>
             <a:r>
               <a:rPr kumimoji="1" lang="ko-KR" altLang="en-US" dirty="0"/>
-              <a:t>딜</a:t>
+              <a:t>딜 상세</a:t>
             </a:r>
-            <a:r>
-              <a:rPr kumimoji="1" lang="ko-KR" altLang="en-US" dirty="0" smtClean="0"/>
-              <a:t> 상세</a:t>
-            </a:r>
-            <a:endParaRPr kumimoji="1" lang="ko-KR" altLang="en-US" dirty="0"/>
           </a:p>
         </p:txBody>
       </p:sp>
@@ -10574,7 +12214,7 @@
                     <a:p>
                       <a:pPr algn="ctr" fontAlgn="t"/>
                       <a:r>
-                        <a:rPr lang="ko-KR" altLang="en-US" sz="1000" b="1" dirty="0" smtClean="0">
+                        <a:rPr lang="ko-KR" altLang="en-US" sz="1000" b="1" dirty="0">
                           <a:solidFill>
                             <a:srgbClr val="333333"/>
                           </a:solidFill>
@@ -10583,13 +12223,6 @@
                         </a:rPr>
                         <a:t>내용</a:t>
                       </a:r>
-                      <a:endParaRPr lang="ko-KR" altLang="en-US" sz="1000" b="1" dirty="0">
-                        <a:solidFill>
-                          <a:srgbClr val="333333"/>
-                        </a:solidFill>
-                        <a:effectLst/>
-                        <a:latin typeface="Tahoma" panose="020B0604030504040204" pitchFamily="34" charset="0"/>
-                      </a:endParaRPr>
                     </a:p>
                   </a:txBody>
                   <a:tcPr marL="59516" marR="59516" marT="41661" marB="41661">
@@ -10738,7 +12371,7 @@
                         <a:tabLst/>
                         <a:defRPr/>
                       </a:pPr>
-                      <a:endParaRPr lang="en-US" altLang="ko-KR" sz="1000" b="1" baseline="0" dirty="0" smtClean="0">
+                      <a:endParaRPr lang="en-US" altLang="ko-KR" sz="1000" b="1" baseline="0" dirty="0">
                         <a:solidFill>
                           <a:schemeClr val="tx1"/>
                         </a:solidFill>
@@ -10763,7 +12396,7 @@
                         <a:defRPr/>
                       </a:pPr>
                       <a:r>
-                        <a:rPr lang="en-US" altLang="ko-KR" sz="1000" b="1" baseline="0" dirty="0" smtClean="0">
+                        <a:rPr lang="en-US" altLang="ko-KR" sz="1000" b="1" baseline="0" dirty="0">
                           <a:solidFill>
                             <a:schemeClr val="tx1"/>
                           </a:solidFill>
@@ -10771,14 +12404,14 @@
                         <a:t>3</a:t>
                       </a:r>
                       <a:r>
-                        <a:rPr lang="ko-KR" altLang="en-US" sz="1000" b="1" baseline="0" dirty="0" smtClean="0">
+                        <a:rPr lang="ko-KR" altLang="en-US" sz="1000" b="1" baseline="0" dirty="0">
                           <a:solidFill>
                             <a:schemeClr val="tx1"/>
                           </a:solidFill>
                         </a:rPr>
                         <a:t>페이지와 동일</a:t>
                       </a:r>
-                      <a:endParaRPr lang="en-US" altLang="ko-KR" sz="1000" b="1" baseline="0" dirty="0" smtClean="0">
+                      <a:endParaRPr lang="en-US" altLang="ko-KR" sz="1000" b="1" baseline="0" dirty="0">
                         <a:solidFill>
                           <a:schemeClr val="tx1"/>
                         </a:solidFill>
@@ -10802,7 +12435,7 @@
                         <a:tabLst/>
                         <a:defRPr/>
                       </a:pPr>
-                      <a:endParaRPr lang="en-US" altLang="ko-KR" sz="1000" b="1" baseline="0" dirty="0" smtClean="0">
+                      <a:endParaRPr lang="en-US" altLang="ko-KR" sz="1000" b="1" baseline="0" dirty="0">
                         <a:solidFill>
                           <a:schemeClr val="tx1"/>
                         </a:solidFill>
@@ -10958,7 +12591,7 @@
           <a:lstStyle/>
           <a:p>
             <a:pPr algn="ctr"/>
-            <a:endParaRPr lang="ko-KR" altLang="en-US" sz="1000" dirty="0" smtClean="0">
+            <a:endParaRPr lang="ko-KR" altLang="en-US" sz="1000" dirty="0">
               <a:solidFill>
                 <a:schemeClr val="bg1">
                   <a:lumMod val="50000"/>
@@ -11036,7 +12669,7 @@
             <a:lstStyle/>
             <a:p>
               <a:pPr algn="ctr"/>
-              <a:endParaRPr lang="ko-KR" altLang="en-US" sz="200" dirty="0" smtClean="0">
+              <a:endParaRPr lang="ko-KR" altLang="en-US" sz="200" dirty="0">
                 <a:solidFill>
                   <a:schemeClr val="bg1">
                     <a:lumMod val="50000"/>
@@ -11093,7 +12726,7 @@
             <a:lstStyle/>
             <a:p>
               <a:pPr algn="ctr"/>
-              <a:endParaRPr lang="ko-KR" altLang="en-US" sz="1050" dirty="0" smtClean="0">
+              <a:endParaRPr lang="ko-KR" altLang="en-US" sz="1050" dirty="0">
                 <a:solidFill>
                   <a:schemeClr val="bg1">
                     <a:lumMod val="50000"/>
@@ -11157,7 +12790,7 @@
             <a:lstStyle/>
             <a:p>
               <a:pPr algn="ctr"/>
-              <a:endParaRPr lang="ko-KR" altLang="en-US" sz="200" dirty="0" smtClean="0">
+              <a:endParaRPr lang="ko-KR" altLang="en-US" sz="200" dirty="0">
                 <a:solidFill>
                   <a:schemeClr val="bg1">
                     <a:lumMod val="50000"/>
@@ -11214,7 +12847,7 @@
             <a:lstStyle/>
             <a:p>
               <a:pPr algn="ctr"/>
-              <a:endParaRPr lang="ko-KR" altLang="en-US" sz="1050" dirty="0" smtClean="0">
+              <a:endParaRPr lang="ko-KR" altLang="en-US" sz="1050" dirty="0">
                 <a:solidFill>
                   <a:schemeClr val="bg1">
                     <a:lumMod val="50000"/>
@@ -11278,7 +12911,7 @@
             <a:lstStyle/>
             <a:p>
               <a:pPr algn="ctr"/>
-              <a:endParaRPr lang="ko-KR" altLang="en-US" sz="200" dirty="0" smtClean="0">
+              <a:endParaRPr lang="ko-KR" altLang="en-US" sz="200" dirty="0">
                 <a:solidFill>
                   <a:schemeClr val="bg1">
                     <a:lumMod val="50000"/>
@@ -11335,7 +12968,7 @@
             <a:lstStyle/>
             <a:p>
               <a:pPr algn="ctr"/>
-              <a:endParaRPr lang="ko-KR" altLang="en-US" sz="1050" dirty="0" smtClean="0">
+              <a:endParaRPr lang="ko-KR" altLang="en-US" sz="1050" dirty="0">
                 <a:solidFill>
                   <a:schemeClr val="bg1">
                     <a:lumMod val="50000"/>
@@ -11386,7 +13019,7 @@
             <a:lstStyle/>
             <a:p>
               <a:r>
-                <a:rPr lang="ko-KR" altLang="en-US" sz="700" dirty="0" smtClean="0">
+                <a:rPr lang="ko-KR" altLang="en-US" sz="700" dirty="0">
                   <a:solidFill>
                     <a:schemeClr val="tx1"/>
                   </a:solidFill>
@@ -11394,12 +13027,6 @@
                 </a:rPr>
                 <a:t>파랑</a:t>
               </a:r>
-              <a:endParaRPr lang="ko-KR" altLang="en-US" sz="700" dirty="0" smtClean="0">
-                <a:solidFill>
-                  <a:schemeClr val="tx1"/>
-                </a:solidFill>
-                <a:latin typeface="+mn-ea"/>
-              </a:endParaRPr>
             </a:p>
           </p:txBody>
         </p:sp>
@@ -11443,7 +13070,7 @@
             <a:lstStyle/>
             <a:p>
               <a:r>
-                <a:rPr lang="ko-KR" altLang="en-US" sz="700" dirty="0" smtClean="0">
+                <a:rPr lang="ko-KR" altLang="en-US" sz="700" dirty="0">
                   <a:solidFill>
                     <a:schemeClr val="tx1"/>
                   </a:solidFill>
@@ -11451,12 +13078,6 @@
                 </a:rPr>
                 <a:t>초록</a:t>
               </a:r>
-              <a:endParaRPr lang="ko-KR" altLang="en-US" sz="700" dirty="0" smtClean="0">
-                <a:solidFill>
-                  <a:schemeClr val="tx1"/>
-                </a:solidFill>
-                <a:latin typeface="+mn-ea"/>
-              </a:endParaRPr>
             </a:p>
           </p:txBody>
         </p:sp>
@@ -11500,7 +13121,7 @@
             <a:lstStyle/>
             <a:p>
               <a:r>
-                <a:rPr lang="ko-KR" altLang="en-US" sz="700" dirty="0" smtClean="0">
+                <a:rPr lang="ko-KR" altLang="en-US" sz="700" dirty="0">
                   <a:solidFill>
                     <a:schemeClr val="tx1"/>
                   </a:solidFill>
@@ -11508,12 +13129,6 @@
                 </a:rPr>
                 <a:t>빨강</a:t>
               </a:r>
-              <a:endParaRPr lang="ko-KR" altLang="en-US" sz="700" dirty="0" smtClean="0">
-                <a:solidFill>
-                  <a:schemeClr val="tx1"/>
-                </a:solidFill>
-                <a:latin typeface="+mn-ea"/>
-              </a:endParaRPr>
             </a:p>
           </p:txBody>
         </p:sp>
@@ -11583,7 +13198,7 @@
           <a:lstStyle/>
           <a:p>
             <a:pPr algn="ctr"/>
-            <a:endParaRPr lang="ko-KR" altLang="en-US" sz="1000" dirty="0" smtClean="0">
+            <a:endParaRPr lang="ko-KR" altLang="en-US" sz="1000" dirty="0">
               <a:solidFill>
                 <a:schemeClr val="bg1">
                   <a:lumMod val="50000"/>
@@ -11661,7 +13276,7 @@
             <a:lstStyle/>
             <a:p>
               <a:pPr algn="ctr"/>
-              <a:endParaRPr lang="ko-KR" altLang="en-US" sz="200" dirty="0" smtClean="0">
+              <a:endParaRPr lang="ko-KR" altLang="en-US" sz="200" dirty="0">
                 <a:solidFill>
                   <a:schemeClr val="bg1">
                     <a:lumMod val="50000"/>
@@ -11718,7 +13333,7 @@
             <a:lstStyle/>
             <a:p>
               <a:pPr algn="ctr"/>
-              <a:endParaRPr lang="ko-KR" altLang="en-US" sz="1050" dirty="0" smtClean="0">
+              <a:endParaRPr lang="ko-KR" altLang="en-US" sz="1050" dirty="0">
                 <a:solidFill>
                   <a:schemeClr val="bg1">
                     <a:lumMod val="50000"/>
@@ -11782,7 +13397,7 @@
             <a:lstStyle/>
             <a:p>
               <a:pPr algn="ctr"/>
-              <a:endParaRPr lang="ko-KR" altLang="en-US" sz="200" dirty="0" smtClean="0">
+              <a:endParaRPr lang="ko-KR" altLang="en-US" sz="200" dirty="0">
                 <a:solidFill>
                   <a:schemeClr val="bg1">
                     <a:lumMod val="50000"/>
@@ -11839,7 +13454,7 @@
             <a:lstStyle/>
             <a:p>
               <a:pPr algn="ctr"/>
-              <a:endParaRPr lang="ko-KR" altLang="en-US" sz="1050" dirty="0" smtClean="0">
+              <a:endParaRPr lang="ko-KR" altLang="en-US" sz="1050" dirty="0">
                 <a:solidFill>
                   <a:schemeClr val="bg1">
                     <a:lumMod val="50000"/>
@@ -11903,7 +13518,7 @@
             <a:lstStyle/>
             <a:p>
               <a:pPr algn="ctr"/>
-              <a:endParaRPr lang="ko-KR" altLang="en-US" sz="200" dirty="0" smtClean="0">
+              <a:endParaRPr lang="ko-KR" altLang="en-US" sz="200" dirty="0">
                 <a:solidFill>
                   <a:schemeClr val="bg1">
                     <a:lumMod val="50000"/>
@@ -11960,7 +13575,7 @@
             <a:lstStyle/>
             <a:p>
               <a:pPr algn="ctr"/>
-              <a:endParaRPr lang="ko-KR" altLang="en-US" sz="1050" dirty="0" smtClean="0">
+              <a:endParaRPr lang="ko-KR" altLang="en-US" sz="1050" dirty="0">
                 <a:solidFill>
                   <a:schemeClr val="bg1">
                     <a:lumMod val="50000"/>
@@ -12011,7 +13626,7 @@
             <a:lstStyle/>
             <a:p>
               <a:r>
-                <a:rPr lang="ko-KR" altLang="en-US" sz="700" dirty="0" smtClean="0">
+                <a:rPr lang="ko-KR" altLang="en-US" sz="700" dirty="0">
                   <a:solidFill>
                     <a:schemeClr val="tx1"/>
                   </a:solidFill>
@@ -12019,12 +13634,6 @@
                 </a:rPr>
                 <a:t>파랑</a:t>
               </a:r>
-              <a:endParaRPr lang="ko-KR" altLang="en-US" sz="700" dirty="0" smtClean="0">
-                <a:solidFill>
-                  <a:schemeClr val="tx1"/>
-                </a:solidFill>
-                <a:latin typeface="+mn-ea"/>
-              </a:endParaRPr>
             </a:p>
           </p:txBody>
         </p:sp>
@@ -12068,7 +13677,7 @@
             <a:lstStyle/>
             <a:p>
               <a:r>
-                <a:rPr lang="ko-KR" altLang="en-US" sz="700" dirty="0" smtClean="0">
+                <a:rPr lang="ko-KR" altLang="en-US" sz="700" dirty="0">
                   <a:solidFill>
                     <a:schemeClr val="tx1"/>
                   </a:solidFill>
@@ -12076,12 +13685,6 @@
                 </a:rPr>
                 <a:t>초록</a:t>
               </a:r>
-              <a:endParaRPr lang="ko-KR" altLang="en-US" sz="700" dirty="0" smtClean="0">
-                <a:solidFill>
-                  <a:schemeClr val="tx1"/>
-                </a:solidFill>
-                <a:latin typeface="+mn-ea"/>
-              </a:endParaRPr>
             </a:p>
           </p:txBody>
         </p:sp>
@@ -12125,7 +13728,7 @@
             <a:lstStyle/>
             <a:p>
               <a:r>
-                <a:rPr lang="ko-KR" altLang="en-US" sz="700" dirty="0" smtClean="0">
+                <a:rPr lang="ko-KR" altLang="en-US" sz="700" dirty="0">
                   <a:solidFill>
                     <a:schemeClr val="tx1"/>
                   </a:solidFill>
@@ -12133,12 +13736,6 @@
                 </a:rPr>
                 <a:t>빨강</a:t>
               </a:r>
-              <a:endParaRPr lang="ko-KR" altLang="en-US" sz="700" dirty="0" smtClean="0">
-                <a:solidFill>
-                  <a:schemeClr val="tx1"/>
-                </a:solidFill>
-                <a:latin typeface="+mn-ea"/>
-              </a:endParaRPr>
             </a:p>
           </p:txBody>
         </p:sp>
@@ -12153,13 +13750,6 @@
   <p:clrMapOvr>
     <a:masterClrMapping/>
   </p:clrMapOvr>
-  <p:timing>
-    <p:tnLst>
-      <p:par>
-        <p:cTn id="1" dur="indefinite" restart="never" nodeType="tmRoot"/>
-      </p:par>
-    </p:tnLst>
-  </p:timing>
 </p:sld>
 </file>
 
